--- a/ExternalDesign.pptx
+++ b/ExternalDesign.pptx
@@ -7,6 +7,9 @@
   <p:sldIdLst>
     <p:sldId id="259" r:id="rId2"/>
     <p:sldId id="260" r:id="rId3"/>
+    <p:sldId id="261" r:id="rId4"/>
+    <p:sldId id="262" r:id="rId5"/>
+    <p:sldId id="263" r:id="rId6"/>
   </p:sldIdLst>
   <p:sldSz cx="12192000" cy="6858000"/>
   <p:notesSz cx="6858000" cy="9144000"/>
@@ -105,6 +108,11 @@
       </a:defRPr>
     </a:lvl9pPr>
   </p:defaultTextStyle>
+  <p:extLst>
+    <p:ext uri="{EFAFB233-063F-42B5-8137-9DF3F51BA10A}">
+      <p15:sldGuideLst xmlns:p15="http://schemas.microsoft.com/office/powerpoint/2012/main"/>
+    </p:ext>
+  </p:extLst>
 </p:presentation>
 </file>
 
@@ -610,7 +618,7 @@
           <a:p>
             <a:fld id="{2F9C0650-85CA-47F7-9BB6-62FEAA50C6AF}" type="datetimeFigureOut">
               <a:rPr kumimoji="1" lang="ja-JP" altLang="en-US" smtClean="0"/>
-              <a:t>2017/10/2</a:t>
+              <a:t>2017/10/3</a:t>
             </a:fld>
             <a:endParaRPr kumimoji="1" lang="ja-JP" altLang="en-US"/>
           </a:p>
@@ -906,7 +914,7 @@
           <a:p>
             <a:fld id="{2F9C0650-85CA-47F7-9BB6-62FEAA50C6AF}" type="datetimeFigureOut">
               <a:rPr kumimoji="1" lang="ja-JP" altLang="en-US" smtClean="0"/>
-              <a:t>2017/10/2</a:t>
+              <a:t>2017/10/3</a:t>
             </a:fld>
             <a:endParaRPr kumimoji="1" lang="ja-JP" altLang="en-US"/>
           </a:p>
@@ -1154,7 +1162,7 @@
           <a:p>
             <a:fld id="{2F9C0650-85CA-47F7-9BB6-62FEAA50C6AF}" type="datetimeFigureOut">
               <a:rPr kumimoji="1" lang="ja-JP" altLang="en-US" smtClean="0"/>
-              <a:t>2017/10/2</a:t>
+              <a:t>2017/10/3</a:t>
             </a:fld>
             <a:endParaRPr kumimoji="1" lang="ja-JP" altLang="en-US"/>
           </a:p>
@@ -1694,7 +1702,7 @@
           <a:p>
             <a:fld id="{2F9C0650-85CA-47F7-9BB6-62FEAA50C6AF}" type="datetimeFigureOut">
               <a:rPr kumimoji="1" lang="ja-JP" altLang="en-US" smtClean="0"/>
-              <a:t>2017/10/2</a:t>
+              <a:t>2017/10/3</a:t>
             </a:fld>
             <a:endParaRPr kumimoji="1" lang="ja-JP" altLang="en-US"/>
           </a:p>
@@ -1942,7 +1950,7 @@
           <a:p>
             <a:fld id="{2F9C0650-85CA-47F7-9BB6-62FEAA50C6AF}" type="datetimeFigureOut">
               <a:rPr kumimoji="1" lang="ja-JP" altLang="en-US" smtClean="0"/>
-              <a:t>2017/10/2</a:t>
+              <a:t>2017/10/3</a:t>
             </a:fld>
             <a:endParaRPr kumimoji="1" lang="ja-JP" altLang="en-US"/>
           </a:p>
@@ -2474,7 +2482,7 @@
           <a:p>
             <a:fld id="{2F9C0650-85CA-47F7-9BB6-62FEAA50C6AF}" type="datetimeFigureOut">
               <a:rPr kumimoji="1" lang="ja-JP" altLang="en-US" smtClean="0"/>
-              <a:t>2017/10/2</a:t>
+              <a:t>2017/10/3</a:t>
             </a:fld>
             <a:endParaRPr kumimoji="1" lang="ja-JP" altLang="en-US"/>
           </a:p>
@@ -2771,7 +2779,7 @@
           <a:p>
             <a:fld id="{2F9C0650-85CA-47F7-9BB6-62FEAA50C6AF}" type="datetimeFigureOut">
               <a:rPr kumimoji="1" lang="ja-JP" altLang="en-US" smtClean="0"/>
-              <a:t>2017/10/2</a:t>
+              <a:t>2017/10/3</a:t>
             </a:fld>
             <a:endParaRPr kumimoji="1" lang="ja-JP" altLang="en-US"/>
           </a:p>
@@ -2977,7 +2985,7 @@
           <a:p>
             <a:fld id="{2F9C0650-85CA-47F7-9BB6-62FEAA50C6AF}" type="datetimeFigureOut">
               <a:rPr kumimoji="1" lang="ja-JP" altLang="en-US" smtClean="0"/>
-              <a:t>2017/10/2</a:t>
+              <a:t>2017/10/3</a:t>
             </a:fld>
             <a:endParaRPr kumimoji="1" lang="ja-JP" altLang="en-US"/>
           </a:p>
@@ -3189,7 +3197,7 @@
           <a:p>
             <a:fld id="{2F9C0650-85CA-47F7-9BB6-62FEAA50C6AF}" type="datetimeFigureOut">
               <a:rPr kumimoji="1" lang="ja-JP" altLang="en-US" smtClean="0"/>
-              <a:t>2017/10/2</a:t>
+              <a:t>2017/10/3</a:t>
             </a:fld>
             <a:endParaRPr kumimoji="1" lang="ja-JP" altLang="en-US"/>
           </a:p>
@@ -3391,7 +3399,7 @@
           <a:p>
             <a:fld id="{2F9C0650-85CA-47F7-9BB6-62FEAA50C6AF}" type="datetimeFigureOut">
               <a:rPr kumimoji="1" lang="ja-JP" altLang="en-US" smtClean="0"/>
-              <a:t>2017/10/2</a:t>
+              <a:t>2017/10/3</a:t>
             </a:fld>
             <a:endParaRPr kumimoji="1" lang="ja-JP" altLang="en-US"/>
           </a:p>
@@ -3642,7 +3650,7 @@
           <a:p>
             <a:fld id="{2F9C0650-85CA-47F7-9BB6-62FEAA50C6AF}" type="datetimeFigureOut">
               <a:rPr kumimoji="1" lang="ja-JP" altLang="en-US" smtClean="0"/>
-              <a:t>2017/10/2</a:t>
+              <a:t>2017/10/3</a:t>
             </a:fld>
             <a:endParaRPr kumimoji="1" lang="ja-JP" altLang="en-US"/>
           </a:p>
@@ -4003,7 +4011,7 @@
           <a:p>
             <a:fld id="{2F9C0650-85CA-47F7-9BB6-62FEAA50C6AF}" type="datetimeFigureOut">
               <a:rPr kumimoji="1" lang="ja-JP" altLang="en-US" smtClean="0"/>
-              <a:t>2017/10/2</a:t>
+              <a:t>2017/10/3</a:t>
             </a:fld>
             <a:endParaRPr kumimoji="1" lang="ja-JP" altLang="en-US"/>
           </a:p>
@@ -4509,7 +4517,7 @@
           <a:p>
             <a:fld id="{2F9C0650-85CA-47F7-9BB6-62FEAA50C6AF}" type="datetimeFigureOut">
               <a:rPr kumimoji="1" lang="ja-JP" altLang="en-US" smtClean="0"/>
-              <a:t>2017/10/2</a:t>
+              <a:t>2017/10/3</a:t>
             </a:fld>
             <a:endParaRPr kumimoji="1" lang="ja-JP" altLang="en-US"/>
           </a:p>
@@ -4627,7 +4635,7 @@
           <a:p>
             <a:fld id="{2F9C0650-85CA-47F7-9BB6-62FEAA50C6AF}" type="datetimeFigureOut">
               <a:rPr kumimoji="1" lang="ja-JP" altLang="en-US" smtClean="0"/>
-              <a:t>2017/10/2</a:t>
+              <a:t>2017/10/3</a:t>
             </a:fld>
             <a:endParaRPr kumimoji="1" lang="ja-JP" altLang="en-US"/>
           </a:p>
@@ -4722,7 +4730,7 @@
           <a:p>
             <a:fld id="{2F9C0650-85CA-47F7-9BB6-62FEAA50C6AF}" type="datetimeFigureOut">
               <a:rPr kumimoji="1" lang="ja-JP" altLang="en-US" smtClean="0"/>
-              <a:t>2017/10/2</a:t>
+              <a:t>2017/10/3</a:t>
             </a:fld>
             <a:endParaRPr kumimoji="1" lang="ja-JP" altLang="en-US"/>
           </a:p>
@@ -5037,7 +5045,7 @@
           <a:p>
             <a:fld id="{2F9C0650-85CA-47F7-9BB6-62FEAA50C6AF}" type="datetimeFigureOut">
               <a:rPr kumimoji="1" lang="ja-JP" altLang="en-US" smtClean="0"/>
-              <a:t>2017/10/2</a:t>
+              <a:t>2017/10/3</a:t>
             </a:fld>
             <a:endParaRPr kumimoji="1" lang="ja-JP" altLang="en-US"/>
           </a:p>
@@ -5328,7 +5336,7 @@
           <a:p>
             <a:fld id="{2F9C0650-85CA-47F7-9BB6-62FEAA50C6AF}" type="datetimeFigureOut">
               <a:rPr kumimoji="1" lang="ja-JP" altLang="en-US" smtClean="0"/>
-              <a:t>2017/10/2</a:t>
+              <a:t>2017/10/3</a:t>
             </a:fld>
             <a:endParaRPr kumimoji="1" lang="ja-JP" altLang="en-US"/>
           </a:p>
@@ -5890,7 +5898,7 @@
           <a:p>
             <a:fld id="{2F9C0650-85CA-47F7-9BB6-62FEAA50C6AF}" type="datetimeFigureOut">
               <a:rPr kumimoji="1" lang="ja-JP" altLang="en-US" smtClean="0"/>
-              <a:t>2017/10/2</a:t>
+              <a:t>2017/10/3</a:t>
             </a:fld>
             <a:endParaRPr kumimoji="1" lang="ja-JP" altLang="en-US"/>
           </a:p>
@@ -6496,7 +6504,11 @@
           <a:p>
             <a:r>
               <a:rPr kumimoji="1" lang="ja-JP" altLang="en-US" dirty="0" smtClean="0"/>
-              <a:t>画面レイアウト①</a:t>
+              <a:t>画面レイアウト</a:t>
+            </a:r>
+            <a:r>
+              <a:rPr kumimoji="1" lang="ja-JP" altLang="en-US" dirty="0" smtClean="0"/>
+              <a:t>①　メイン画面</a:t>
             </a:r>
             <a:endParaRPr kumimoji="1" lang="ja-JP" altLang="en-US" dirty="0"/>
           </a:p>
@@ -6967,7 +6979,11 @@
           <a:p>
             <a:r>
               <a:rPr lang="ja-JP" altLang="en-US" dirty="0" smtClean="0"/>
-              <a:t>フィルター機能：ダイアログが表示され、</a:t>
+              <a:t>フィルター：</a:t>
+            </a:r>
+            <a:r>
+              <a:rPr lang="ja-JP" altLang="en-US" dirty="0" smtClean="0"/>
+              <a:t>ダイアログが表示され、</a:t>
             </a:r>
             <a:endParaRPr lang="en-US" altLang="ja-JP" dirty="0"/>
           </a:p>
@@ -7067,10 +7083,1983 @@
           </a:fontRef>
         </p:style>
       </p:cxnSp>
+      <p:sp>
+        <p:nvSpPr>
+          <p:cNvPr id="15" name="テキスト ボックス 14"/>
+          <p:cNvSpPr txBox="1"/>
+          <p:nvPr/>
+        </p:nvSpPr>
+        <p:spPr>
+          <a:xfrm>
+            <a:off x="4679575" y="3989106"/>
+            <a:ext cx="4575291" cy="369332"/>
+          </a:xfrm>
+          <a:prstGeom prst="rect">
+            <a:avLst/>
+          </a:prstGeom>
+          <a:noFill/>
+        </p:spPr>
+        <p:txBody>
+          <a:bodyPr wrap="none" rtlCol="0">
+            <a:spAutoFit/>
+          </a:bodyPr>
+          <a:lstStyle/>
+          <a:p>
+            <a:r>
+              <a:rPr lang="ja-JP" altLang="en-US" dirty="0" smtClean="0"/>
+              <a:t>現在地表示：</a:t>
+            </a:r>
+            <a:r>
+              <a:rPr lang="en-US" altLang="ja-JP" dirty="0" smtClean="0"/>
+              <a:t>MAP</a:t>
+            </a:r>
+            <a:r>
+              <a:rPr lang="ja-JP" altLang="en-US" dirty="0" smtClean="0"/>
+              <a:t>を現在地中心に表示する</a:t>
+            </a:r>
+            <a:endParaRPr lang="en-US" altLang="ja-JP" dirty="0" smtClean="0"/>
+          </a:p>
+        </p:txBody>
+      </p:sp>
+      <p:sp>
+        <p:nvSpPr>
+          <p:cNvPr id="16" name="テキスト ボックス 15"/>
+          <p:cNvSpPr txBox="1"/>
+          <p:nvPr/>
+        </p:nvSpPr>
+        <p:spPr>
+          <a:xfrm>
+            <a:off x="4648528" y="5075822"/>
+            <a:ext cx="4570482" cy="369332"/>
+          </a:xfrm>
+          <a:prstGeom prst="rect">
+            <a:avLst/>
+          </a:prstGeom>
+          <a:noFill/>
+        </p:spPr>
+        <p:txBody>
+          <a:bodyPr wrap="none" rtlCol="0">
+            <a:spAutoFit/>
+          </a:bodyPr>
+          <a:lstStyle/>
+          <a:p>
+            <a:r>
+              <a:rPr lang="ja-JP" altLang="en-US" dirty="0" smtClean="0"/>
+              <a:t>住所入力：入力した住所を中心に表示する</a:t>
+            </a:r>
+            <a:endParaRPr lang="en-US" altLang="ja-JP" dirty="0" smtClean="0"/>
+          </a:p>
+        </p:txBody>
+      </p:sp>
     </p:spTree>
     <p:extLst>
       <p:ext uri="{BB962C8B-B14F-4D97-AF65-F5344CB8AC3E}">
         <p14:creationId xmlns:p14="http://schemas.microsoft.com/office/powerpoint/2010/main" val="1661069889"/>
+      </p:ext>
+    </p:extLst>
+  </p:cSld>
+  <p:clrMapOvr>
+    <a:masterClrMapping/>
+  </p:clrMapOvr>
+</p:sld>
+</file>
+
+<file path=ppt/slides/slide3.xml><?xml version="1.0" encoding="utf-8"?>
+<p:sld xmlns:a="http://schemas.openxmlformats.org/drawingml/2006/main" xmlns:r="http://schemas.openxmlformats.org/officeDocument/2006/relationships" xmlns:p="http://schemas.openxmlformats.org/presentationml/2006/main">
+  <p:cSld>
+    <p:spTree>
+      <p:nvGrpSpPr>
+        <p:cNvPr id="1" name=""/>
+        <p:cNvGrpSpPr/>
+        <p:nvPr/>
+      </p:nvGrpSpPr>
+      <p:grpSpPr>
+        <a:xfrm>
+          <a:off x="0" y="0"/>
+          <a:ext cx="0" cy="0"/>
+          <a:chOff x="0" y="0"/>
+          <a:chExt cx="0" cy="0"/>
+        </a:xfrm>
+      </p:grpSpPr>
+      <p:sp>
+        <p:nvSpPr>
+          <p:cNvPr id="2" name="タイトル 1"/>
+          <p:cNvSpPr>
+            <a:spLocks noGrp="1"/>
+          </p:cNvSpPr>
+          <p:nvPr>
+            <p:ph type="title"/>
+          </p:nvPr>
+        </p:nvSpPr>
+        <p:spPr>
+          <a:xfrm>
+            <a:off x="1441281" y="115644"/>
+            <a:ext cx="10018713" cy="863301"/>
+          </a:xfrm>
+        </p:spPr>
+        <p:txBody>
+          <a:bodyPr/>
+          <a:lstStyle/>
+          <a:p>
+            <a:r>
+              <a:rPr kumimoji="1" lang="ja-JP" altLang="en-US" dirty="0" smtClean="0"/>
+              <a:t>画面</a:t>
+            </a:r>
+            <a:r>
+              <a:rPr kumimoji="1" lang="ja-JP" altLang="en-US" dirty="0" smtClean="0"/>
+              <a:t>レイアウト②　ダイアログ</a:t>
+            </a:r>
+            <a:endParaRPr kumimoji="1" lang="ja-JP" altLang="en-US" dirty="0"/>
+          </a:p>
+        </p:txBody>
+      </p:sp>
+      <p:grpSp>
+        <p:nvGrpSpPr>
+          <p:cNvPr id="19" name="グループ化 18"/>
+          <p:cNvGrpSpPr/>
+          <p:nvPr/>
+        </p:nvGrpSpPr>
+        <p:grpSpPr>
+          <a:xfrm>
+            <a:off x="473335" y="1075763"/>
+            <a:ext cx="3291840" cy="5056094"/>
+            <a:chOff x="4647303" y="1118794"/>
+            <a:chExt cx="3291840" cy="5056094"/>
+          </a:xfrm>
+        </p:grpSpPr>
+        <p:sp>
+          <p:nvSpPr>
+            <p:cNvPr id="21" name="角丸四角形 20"/>
+            <p:cNvSpPr/>
+            <p:nvPr/>
+          </p:nvSpPr>
+          <p:spPr>
+            <a:xfrm>
+              <a:off x="4647303" y="1118794"/>
+              <a:ext cx="3291840" cy="5056094"/>
+            </a:xfrm>
+            <a:prstGeom prst="roundRect">
+              <a:avLst/>
+            </a:prstGeom>
+            <a:solidFill>
+              <a:schemeClr val="bg1"/>
+            </a:solidFill>
+            <a:ln w="19050">
+              <a:solidFill>
+                <a:schemeClr val="tx1"/>
+              </a:solidFill>
+            </a:ln>
+          </p:spPr>
+          <p:style>
+            <a:lnRef idx="2">
+              <a:schemeClr val="accent1">
+                <a:shade val="50000"/>
+              </a:schemeClr>
+            </a:lnRef>
+            <a:fillRef idx="1">
+              <a:schemeClr val="accent1"/>
+            </a:fillRef>
+            <a:effectRef idx="0">
+              <a:schemeClr val="accent1"/>
+            </a:effectRef>
+            <a:fontRef idx="minor">
+              <a:schemeClr val="lt1"/>
+            </a:fontRef>
+          </p:style>
+          <p:txBody>
+            <a:bodyPr rtlCol="0" anchor="ctr"/>
+            <a:lstStyle/>
+            <a:p>
+              <a:pPr algn="ctr"/>
+              <a:endParaRPr kumimoji="1" lang="ja-JP" altLang="en-US"/>
+            </a:p>
+          </p:txBody>
+        </p:sp>
+        <p:sp>
+          <p:nvSpPr>
+            <p:cNvPr id="24" name="正方形/長方形 23"/>
+            <p:cNvSpPr/>
+            <p:nvPr/>
+          </p:nvSpPr>
+          <p:spPr>
+            <a:xfrm>
+              <a:off x="4889350" y="1645921"/>
+              <a:ext cx="2807746" cy="3076687"/>
+            </a:xfrm>
+            <a:prstGeom prst="rect">
+              <a:avLst/>
+            </a:prstGeom>
+            <a:solidFill>
+              <a:schemeClr val="accent1"/>
+            </a:solidFill>
+          </p:spPr>
+          <p:style>
+            <a:lnRef idx="2">
+              <a:schemeClr val="accent1">
+                <a:shade val="50000"/>
+              </a:schemeClr>
+            </a:lnRef>
+            <a:fillRef idx="1">
+              <a:schemeClr val="accent1"/>
+            </a:fillRef>
+            <a:effectRef idx="0">
+              <a:schemeClr val="accent1"/>
+            </a:effectRef>
+            <a:fontRef idx="minor">
+              <a:schemeClr val="lt1"/>
+            </a:fontRef>
+          </p:style>
+          <p:txBody>
+            <a:bodyPr rtlCol="0" anchor="ctr"/>
+            <a:lstStyle/>
+            <a:p>
+              <a:pPr algn="ctr"/>
+              <a:r>
+                <a:rPr kumimoji="1" lang="en-US" altLang="ja-JP" sz="6000" dirty="0" smtClean="0">
+                  <a:solidFill>
+                    <a:schemeClr val="bg1"/>
+                  </a:solidFill>
+                </a:rPr>
+                <a:t>MAP</a:t>
+              </a:r>
+              <a:endParaRPr kumimoji="1" lang="ja-JP" altLang="en-US" dirty="0">
+                <a:solidFill>
+                  <a:schemeClr val="bg1"/>
+                </a:solidFill>
+              </a:endParaRPr>
+            </a:p>
+          </p:txBody>
+        </p:sp>
+        <p:sp>
+          <p:nvSpPr>
+            <p:cNvPr id="25" name="正方形/長方形 24"/>
+            <p:cNvSpPr/>
+            <p:nvPr/>
+          </p:nvSpPr>
+          <p:spPr>
+            <a:xfrm>
+              <a:off x="4889350" y="5206701"/>
+              <a:ext cx="715384" cy="484094"/>
+            </a:xfrm>
+            <a:prstGeom prst="rect">
+              <a:avLst/>
+            </a:prstGeom>
+            <a:solidFill>
+              <a:srgbClr val="FFFF00"/>
+            </a:solidFill>
+            <a:ln w="19050">
+              <a:solidFill>
+                <a:schemeClr val="tx1"/>
+              </a:solidFill>
+            </a:ln>
+          </p:spPr>
+          <p:style>
+            <a:lnRef idx="2">
+              <a:schemeClr val="accent1">
+                <a:shade val="50000"/>
+              </a:schemeClr>
+            </a:lnRef>
+            <a:fillRef idx="1">
+              <a:schemeClr val="accent1"/>
+            </a:fillRef>
+            <a:effectRef idx="0">
+              <a:schemeClr val="accent1"/>
+            </a:effectRef>
+            <a:fontRef idx="minor">
+              <a:schemeClr val="lt1"/>
+            </a:fontRef>
+          </p:style>
+          <p:txBody>
+            <a:bodyPr rtlCol="0" anchor="ctr"/>
+            <a:lstStyle/>
+            <a:p>
+              <a:pPr algn="ctr"/>
+              <a:r>
+                <a:rPr kumimoji="1" lang="en-US" altLang="ja-JP" dirty="0" err="1" smtClean="0">
+                  <a:solidFill>
+                    <a:schemeClr val="tx1"/>
+                  </a:solidFill>
+                </a:rPr>
+                <a:t>Btn</a:t>
+              </a:r>
+              <a:r>
+                <a:rPr kumimoji="1" lang="ja-JP" altLang="en-US" dirty="0" smtClean="0">
+                  <a:solidFill>
+                    <a:schemeClr val="tx1"/>
+                  </a:solidFill>
+                </a:rPr>
+                <a:t>①</a:t>
+              </a:r>
+              <a:endParaRPr kumimoji="1" lang="ja-JP" altLang="en-US" dirty="0">
+                <a:solidFill>
+                  <a:schemeClr val="tx1"/>
+                </a:solidFill>
+              </a:endParaRPr>
+            </a:p>
+          </p:txBody>
+        </p:sp>
+        <p:sp>
+          <p:nvSpPr>
+            <p:cNvPr id="27" name="正方形/長方形 26"/>
+            <p:cNvSpPr/>
+            <p:nvPr/>
+          </p:nvSpPr>
+          <p:spPr>
+            <a:xfrm>
+              <a:off x="5891607" y="5208489"/>
+              <a:ext cx="715384" cy="484094"/>
+            </a:xfrm>
+            <a:prstGeom prst="rect">
+              <a:avLst/>
+            </a:prstGeom>
+            <a:solidFill>
+              <a:schemeClr val="bg1"/>
+            </a:solidFill>
+            <a:ln w="19050">
+              <a:solidFill>
+                <a:schemeClr val="tx1"/>
+              </a:solidFill>
+            </a:ln>
+          </p:spPr>
+          <p:style>
+            <a:lnRef idx="2">
+              <a:schemeClr val="accent1">
+                <a:shade val="50000"/>
+              </a:schemeClr>
+            </a:lnRef>
+            <a:fillRef idx="1">
+              <a:schemeClr val="accent1"/>
+            </a:fillRef>
+            <a:effectRef idx="0">
+              <a:schemeClr val="accent1"/>
+            </a:effectRef>
+            <a:fontRef idx="minor">
+              <a:schemeClr val="lt1"/>
+            </a:fontRef>
+          </p:style>
+          <p:txBody>
+            <a:bodyPr rtlCol="0" anchor="ctr"/>
+            <a:lstStyle/>
+            <a:p>
+              <a:pPr algn="ctr"/>
+              <a:r>
+                <a:rPr kumimoji="1" lang="en-US" altLang="ja-JP" dirty="0" err="1" smtClean="0">
+                  <a:solidFill>
+                    <a:schemeClr val="tx1"/>
+                  </a:solidFill>
+                </a:rPr>
+                <a:t>Btn</a:t>
+              </a:r>
+              <a:r>
+                <a:rPr kumimoji="1" lang="ja-JP" altLang="en-US" dirty="0" smtClean="0">
+                  <a:solidFill>
+                    <a:schemeClr val="tx1"/>
+                  </a:solidFill>
+                </a:rPr>
+                <a:t>②</a:t>
+              </a:r>
+              <a:endParaRPr kumimoji="1" lang="ja-JP" altLang="en-US" dirty="0">
+                <a:solidFill>
+                  <a:schemeClr val="tx1"/>
+                </a:solidFill>
+              </a:endParaRPr>
+            </a:p>
+          </p:txBody>
+        </p:sp>
+        <p:sp>
+          <p:nvSpPr>
+            <p:cNvPr id="28" name="正方形/長方形 27"/>
+            <p:cNvSpPr/>
+            <p:nvPr/>
+          </p:nvSpPr>
+          <p:spPr>
+            <a:xfrm>
+              <a:off x="6913580" y="5208489"/>
+              <a:ext cx="715384" cy="484094"/>
+            </a:xfrm>
+            <a:prstGeom prst="rect">
+              <a:avLst/>
+            </a:prstGeom>
+            <a:solidFill>
+              <a:schemeClr val="bg1"/>
+            </a:solidFill>
+            <a:ln w="19050">
+              <a:solidFill>
+                <a:schemeClr val="tx1"/>
+              </a:solidFill>
+            </a:ln>
+          </p:spPr>
+          <p:style>
+            <a:lnRef idx="2">
+              <a:schemeClr val="accent1">
+                <a:shade val="50000"/>
+              </a:schemeClr>
+            </a:lnRef>
+            <a:fillRef idx="1">
+              <a:schemeClr val="accent1"/>
+            </a:fillRef>
+            <a:effectRef idx="0">
+              <a:schemeClr val="accent1"/>
+            </a:effectRef>
+            <a:fontRef idx="minor">
+              <a:schemeClr val="lt1"/>
+            </a:fontRef>
+          </p:style>
+          <p:txBody>
+            <a:bodyPr rtlCol="0" anchor="ctr"/>
+            <a:lstStyle/>
+            <a:p>
+              <a:pPr algn="ctr"/>
+              <a:r>
+                <a:rPr lang="en-US" altLang="ja-JP" dirty="0" err="1" smtClean="0">
+                  <a:solidFill>
+                    <a:schemeClr val="tx1"/>
+                  </a:solidFill>
+                </a:rPr>
+                <a:t>Btn</a:t>
+              </a:r>
+              <a:endParaRPr lang="en-US" altLang="ja-JP" dirty="0" smtClean="0">
+                <a:solidFill>
+                  <a:schemeClr val="tx1"/>
+                </a:solidFill>
+              </a:endParaRPr>
+            </a:p>
+            <a:p>
+              <a:pPr algn="ctr"/>
+              <a:r>
+                <a:rPr kumimoji="1" lang="ja-JP" altLang="en-US" dirty="0" smtClean="0">
+                  <a:solidFill>
+                    <a:schemeClr val="tx1"/>
+                  </a:solidFill>
+                </a:rPr>
+                <a:t>③</a:t>
+              </a:r>
+              <a:endParaRPr kumimoji="1" lang="ja-JP" altLang="en-US" dirty="0">
+                <a:solidFill>
+                  <a:schemeClr val="tx1"/>
+                </a:solidFill>
+              </a:endParaRPr>
+            </a:p>
+          </p:txBody>
+        </p:sp>
+      </p:grpSp>
+      <p:cxnSp>
+        <p:nvCxnSpPr>
+          <p:cNvPr id="29" name="直線矢印コネクタ 28"/>
+          <p:cNvCxnSpPr/>
+          <p:nvPr/>
+        </p:nvCxnSpPr>
+        <p:spPr>
+          <a:xfrm flipV="1">
+            <a:off x="1073074" y="3568850"/>
+            <a:ext cx="3918474" cy="1594820"/>
+          </a:xfrm>
+          <a:prstGeom prst="straightConnector1">
+            <a:avLst/>
+          </a:prstGeom>
+          <a:ln w="19050">
+            <a:solidFill>
+              <a:schemeClr val="tx1"/>
+            </a:solidFill>
+            <a:tailEnd type="triangle"/>
+          </a:ln>
+        </p:spPr>
+        <p:style>
+          <a:lnRef idx="1">
+            <a:schemeClr val="accent1"/>
+          </a:lnRef>
+          <a:fillRef idx="0">
+            <a:schemeClr val="accent1"/>
+          </a:fillRef>
+          <a:effectRef idx="0">
+            <a:schemeClr val="accent1"/>
+          </a:effectRef>
+          <a:fontRef idx="minor">
+            <a:schemeClr val="tx1"/>
+          </a:fontRef>
+        </p:style>
+      </p:cxnSp>
+      <p:sp>
+        <p:nvSpPr>
+          <p:cNvPr id="12" name="正方形/長方形 11"/>
+          <p:cNvSpPr/>
+          <p:nvPr/>
+        </p:nvSpPr>
+        <p:spPr>
+          <a:xfrm>
+            <a:off x="5505226" y="2043953"/>
+            <a:ext cx="2918012" cy="3931920"/>
+          </a:xfrm>
+          <a:prstGeom prst="rect">
+            <a:avLst/>
+          </a:prstGeom>
+          <a:solidFill>
+            <a:schemeClr val="bg1"/>
+          </a:solidFill>
+          <a:ln w="19050">
+            <a:solidFill>
+              <a:schemeClr val="tx1"/>
+            </a:solidFill>
+          </a:ln>
+        </p:spPr>
+        <p:style>
+          <a:lnRef idx="2">
+            <a:schemeClr val="accent1">
+              <a:shade val="50000"/>
+            </a:schemeClr>
+          </a:lnRef>
+          <a:fillRef idx="1">
+            <a:schemeClr val="accent1"/>
+          </a:fillRef>
+          <a:effectRef idx="0">
+            <a:schemeClr val="accent1"/>
+          </a:effectRef>
+          <a:fontRef idx="minor">
+            <a:schemeClr val="lt1"/>
+          </a:fontRef>
+        </p:style>
+        <p:txBody>
+          <a:bodyPr rtlCol="0" anchor="ctr"/>
+          <a:lstStyle/>
+          <a:p>
+            <a:pPr algn="ctr"/>
+            <a:endParaRPr kumimoji="1" lang="ja-JP" altLang="en-US"/>
+          </a:p>
+        </p:txBody>
+      </p:sp>
+      <p:sp>
+        <p:nvSpPr>
+          <p:cNvPr id="13" name="円/楕円 12"/>
+          <p:cNvSpPr/>
+          <p:nvPr/>
+        </p:nvSpPr>
+        <p:spPr>
+          <a:xfrm>
+            <a:off x="6106309" y="2899187"/>
+            <a:ext cx="333487" cy="355003"/>
+          </a:xfrm>
+          <a:prstGeom prst="ellipse">
+            <a:avLst/>
+          </a:prstGeom>
+          <a:noFill/>
+          <a:ln w="19050">
+            <a:solidFill>
+              <a:schemeClr val="tx1"/>
+            </a:solidFill>
+          </a:ln>
+        </p:spPr>
+        <p:style>
+          <a:lnRef idx="2">
+            <a:schemeClr val="accent1">
+              <a:shade val="50000"/>
+            </a:schemeClr>
+          </a:lnRef>
+          <a:fillRef idx="1">
+            <a:schemeClr val="accent1"/>
+          </a:fillRef>
+          <a:effectRef idx="0">
+            <a:schemeClr val="accent1"/>
+          </a:effectRef>
+          <a:fontRef idx="minor">
+            <a:schemeClr val="lt1"/>
+          </a:fontRef>
+        </p:style>
+        <p:txBody>
+          <a:bodyPr rtlCol="0" anchor="ctr"/>
+          <a:lstStyle/>
+          <a:p>
+            <a:pPr algn="ctr"/>
+            <a:endParaRPr kumimoji="1" lang="ja-JP" altLang="en-US" dirty="0"/>
+          </a:p>
+        </p:txBody>
+      </p:sp>
+      <p:sp>
+        <p:nvSpPr>
+          <p:cNvPr id="30" name="円/楕円 29"/>
+          <p:cNvSpPr/>
+          <p:nvPr/>
+        </p:nvSpPr>
+        <p:spPr>
+          <a:xfrm>
+            <a:off x="6206530" y="3009449"/>
+            <a:ext cx="133043" cy="123715"/>
+          </a:xfrm>
+          <a:prstGeom prst="ellipse">
+            <a:avLst/>
+          </a:prstGeom>
+          <a:solidFill>
+            <a:schemeClr val="tx1"/>
+          </a:solidFill>
+          <a:ln w="19050">
+            <a:solidFill>
+              <a:schemeClr val="tx1"/>
+            </a:solidFill>
+          </a:ln>
+        </p:spPr>
+        <p:style>
+          <a:lnRef idx="2">
+            <a:schemeClr val="accent1">
+              <a:shade val="50000"/>
+            </a:schemeClr>
+          </a:lnRef>
+          <a:fillRef idx="1">
+            <a:schemeClr val="accent1"/>
+          </a:fillRef>
+          <a:effectRef idx="0">
+            <a:schemeClr val="accent1"/>
+          </a:effectRef>
+          <a:fontRef idx="minor">
+            <a:schemeClr val="lt1"/>
+          </a:fontRef>
+        </p:style>
+        <p:txBody>
+          <a:bodyPr rtlCol="0" anchor="ctr"/>
+          <a:lstStyle/>
+          <a:p>
+            <a:pPr algn="ctr"/>
+            <a:endParaRPr kumimoji="1" lang="ja-JP" altLang="en-US" dirty="0"/>
+          </a:p>
+        </p:txBody>
+      </p:sp>
+      <p:sp>
+        <p:nvSpPr>
+          <p:cNvPr id="14" name="テキスト ボックス 13"/>
+          <p:cNvSpPr txBox="1"/>
+          <p:nvPr/>
+        </p:nvSpPr>
+        <p:spPr>
+          <a:xfrm>
+            <a:off x="6796694" y="2824798"/>
+            <a:ext cx="700833" cy="461665"/>
+          </a:xfrm>
+          <a:prstGeom prst="rect">
+            <a:avLst/>
+          </a:prstGeom>
+          <a:noFill/>
+        </p:spPr>
+        <p:txBody>
+          <a:bodyPr wrap="none" rtlCol="0">
+            <a:spAutoFit/>
+          </a:bodyPr>
+          <a:lstStyle/>
+          <a:p>
+            <a:r>
+              <a:rPr kumimoji="1" lang="en-US" altLang="ja-JP" sz="2400" dirty="0" smtClean="0"/>
+              <a:t>ALL</a:t>
+            </a:r>
+            <a:endParaRPr kumimoji="1" lang="ja-JP" altLang="en-US" dirty="0"/>
+          </a:p>
+        </p:txBody>
+      </p:sp>
+      <p:sp>
+        <p:nvSpPr>
+          <p:cNvPr id="31" name="円/楕円 30"/>
+          <p:cNvSpPr/>
+          <p:nvPr/>
+        </p:nvSpPr>
+        <p:spPr>
+          <a:xfrm>
+            <a:off x="6106309" y="3506536"/>
+            <a:ext cx="333487" cy="355003"/>
+          </a:xfrm>
+          <a:prstGeom prst="ellipse">
+            <a:avLst/>
+          </a:prstGeom>
+          <a:noFill/>
+          <a:ln w="19050">
+            <a:solidFill>
+              <a:schemeClr val="tx1"/>
+            </a:solidFill>
+          </a:ln>
+        </p:spPr>
+        <p:style>
+          <a:lnRef idx="2">
+            <a:schemeClr val="accent1">
+              <a:shade val="50000"/>
+            </a:schemeClr>
+          </a:lnRef>
+          <a:fillRef idx="1">
+            <a:schemeClr val="accent1"/>
+          </a:fillRef>
+          <a:effectRef idx="0">
+            <a:schemeClr val="accent1"/>
+          </a:effectRef>
+          <a:fontRef idx="minor">
+            <a:schemeClr val="lt1"/>
+          </a:fontRef>
+        </p:style>
+        <p:txBody>
+          <a:bodyPr rtlCol="0" anchor="ctr"/>
+          <a:lstStyle/>
+          <a:p>
+            <a:pPr algn="ctr"/>
+            <a:endParaRPr kumimoji="1" lang="ja-JP" altLang="en-US" dirty="0"/>
+          </a:p>
+        </p:txBody>
+      </p:sp>
+      <p:sp>
+        <p:nvSpPr>
+          <p:cNvPr id="33" name="テキスト ボックス 32"/>
+          <p:cNvSpPr txBox="1"/>
+          <p:nvPr/>
+        </p:nvSpPr>
+        <p:spPr>
+          <a:xfrm>
+            <a:off x="6568971" y="3492207"/>
+            <a:ext cx="1266693" cy="369332"/>
+          </a:xfrm>
+          <a:prstGeom prst="rect">
+            <a:avLst/>
+          </a:prstGeom>
+          <a:noFill/>
+        </p:spPr>
+        <p:txBody>
+          <a:bodyPr wrap="none" rtlCol="0">
+            <a:spAutoFit/>
+          </a:bodyPr>
+          <a:lstStyle/>
+          <a:p>
+            <a:r>
+              <a:rPr kumimoji="1" lang="ja-JP" altLang="en-US" b="1" dirty="0" smtClean="0"/>
+              <a:t>スタンド</a:t>
+            </a:r>
+            <a:r>
+              <a:rPr lang="en-US" altLang="ja-JP" b="1" dirty="0"/>
+              <a:t>A</a:t>
+            </a:r>
+            <a:endParaRPr kumimoji="1" lang="ja-JP" altLang="en-US" b="1" dirty="0"/>
+          </a:p>
+        </p:txBody>
+      </p:sp>
+      <p:sp>
+        <p:nvSpPr>
+          <p:cNvPr id="34" name="円/楕円 33"/>
+          <p:cNvSpPr/>
+          <p:nvPr/>
+        </p:nvSpPr>
+        <p:spPr>
+          <a:xfrm>
+            <a:off x="6106309" y="4081612"/>
+            <a:ext cx="333487" cy="355003"/>
+          </a:xfrm>
+          <a:prstGeom prst="ellipse">
+            <a:avLst/>
+          </a:prstGeom>
+          <a:noFill/>
+          <a:ln w="19050">
+            <a:solidFill>
+              <a:schemeClr val="tx1"/>
+            </a:solidFill>
+          </a:ln>
+        </p:spPr>
+        <p:style>
+          <a:lnRef idx="2">
+            <a:schemeClr val="accent1">
+              <a:shade val="50000"/>
+            </a:schemeClr>
+          </a:lnRef>
+          <a:fillRef idx="1">
+            <a:schemeClr val="accent1"/>
+          </a:fillRef>
+          <a:effectRef idx="0">
+            <a:schemeClr val="accent1"/>
+          </a:effectRef>
+          <a:fontRef idx="minor">
+            <a:schemeClr val="lt1"/>
+          </a:fontRef>
+        </p:style>
+        <p:txBody>
+          <a:bodyPr rtlCol="0" anchor="ctr"/>
+          <a:lstStyle/>
+          <a:p>
+            <a:pPr algn="ctr"/>
+            <a:endParaRPr kumimoji="1" lang="ja-JP" altLang="en-US" dirty="0"/>
+          </a:p>
+        </p:txBody>
+      </p:sp>
+      <p:sp>
+        <p:nvSpPr>
+          <p:cNvPr id="35" name="テキスト ボックス 34"/>
+          <p:cNvSpPr txBox="1"/>
+          <p:nvPr/>
+        </p:nvSpPr>
+        <p:spPr>
+          <a:xfrm>
+            <a:off x="6568971" y="4067283"/>
+            <a:ext cx="1258678" cy="369332"/>
+          </a:xfrm>
+          <a:prstGeom prst="rect">
+            <a:avLst/>
+          </a:prstGeom>
+          <a:noFill/>
+        </p:spPr>
+        <p:txBody>
+          <a:bodyPr wrap="none" rtlCol="0">
+            <a:spAutoFit/>
+          </a:bodyPr>
+          <a:lstStyle/>
+          <a:p>
+            <a:r>
+              <a:rPr kumimoji="1" lang="ja-JP" altLang="en-US" b="1" dirty="0" smtClean="0"/>
+              <a:t>スタンド</a:t>
+            </a:r>
+            <a:r>
+              <a:rPr lang="en-US" altLang="ja-JP" b="1" dirty="0" smtClean="0"/>
+              <a:t>B</a:t>
+            </a:r>
+            <a:endParaRPr kumimoji="1" lang="ja-JP" altLang="en-US" b="1" dirty="0"/>
+          </a:p>
+        </p:txBody>
+      </p:sp>
+      <p:sp>
+        <p:nvSpPr>
+          <p:cNvPr id="36" name="円/楕円 35"/>
+          <p:cNvSpPr/>
+          <p:nvPr/>
+        </p:nvSpPr>
+        <p:spPr>
+          <a:xfrm>
+            <a:off x="6106309" y="4656688"/>
+            <a:ext cx="333487" cy="355003"/>
+          </a:xfrm>
+          <a:prstGeom prst="ellipse">
+            <a:avLst/>
+          </a:prstGeom>
+          <a:noFill/>
+          <a:ln w="19050">
+            <a:solidFill>
+              <a:schemeClr val="tx1"/>
+            </a:solidFill>
+          </a:ln>
+        </p:spPr>
+        <p:style>
+          <a:lnRef idx="2">
+            <a:schemeClr val="accent1">
+              <a:shade val="50000"/>
+            </a:schemeClr>
+          </a:lnRef>
+          <a:fillRef idx="1">
+            <a:schemeClr val="accent1"/>
+          </a:fillRef>
+          <a:effectRef idx="0">
+            <a:schemeClr val="accent1"/>
+          </a:effectRef>
+          <a:fontRef idx="minor">
+            <a:schemeClr val="lt1"/>
+          </a:fontRef>
+        </p:style>
+        <p:txBody>
+          <a:bodyPr rtlCol="0" anchor="ctr"/>
+          <a:lstStyle/>
+          <a:p>
+            <a:pPr algn="ctr"/>
+            <a:endParaRPr kumimoji="1" lang="ja-JP" altLang="en-US" dirty="0"/>
+          </a:p>
+        </p:txBody>
+      </p:sp>
+      <p:sp>
+        <p:nvSpPr>
+          <p:cNvPr id="37" name="テキスト ボックス 36"/>
+          <p:cNvSpPr txBox="1"/>
+          <p:nvPr/>
+        </p:nvSpPr>
+        <p:spPr>
+          <a:xfrm>
+            <a:off x="6568971" y="4642359"/>
+            <a:ext cx="1249060" cy="369332"/>
+          </a:xfrm>
+          <a:prstGeom prst="rect">
+            <a:avLst/>
+          </a:prstGeom>
+          <a:noFill/>
+        </p:spPr>
+        <p:txBody>
+          <a:bodyPr wrap="none" rtlCol="0">
+            <a:spAutoFit/>
+          </a:bodyPr>
+          <a:lstStyle/>
+          <a:p>
+            <a:r>
+              <a:rPr kumimoji="1" lang="ja-JP" altLang="en-US" b="1" dirty="0" smtClean="0"/>
+              <a:t>スタンド</a:t>
+            </a:r>
+            <a:r>
+              <a:rPr lang="en-US" altLang="ja-JP" b="1" dirty="0" smtClean="0"/>
+              <a:t>C</a:t>
+            </a:r>
+            <a:endParaRPr kumimoji="1" lang="ja-JP" altLang="en-US" b="1" dirty="0"/>
+          </a:p>
+        </p:txBody>
+      </p:sp>
+      <p:sp>
+        <p:nvSpPr>
+          <p:cNvPr id="38" name="テキスト ボックス 37"/>
+          <p:cNvSpPr txBox="1"/>
+          <p:nvPr/>
+        </p:nvSpPr>
+        <p:spPr>
+          <a:xfrm>
+            <a:off x="5615144" y="1444058"/>
+            <a:ext cx="2698175" cy="523220"/>
+          </a:xfrm>
+          <a:prstGeom prst="rect">
+            <a:avLst/>
+          </a:prstGeom>
+          <a:noFill/>
+        </p:spPr>
+        <p:txBody>
+          <a:bodyPr wrap="none" rtlCol="0">
+            <a:spAutoFit/>
+          </a:bodyPr>
+          <a:lstStyle/>
+          <a:p>
+            <a:r>
+              <a:rPr lang="ja-JP" altLang="en-US" sz="2800" dirty="0" smtClean="0"/>
+              <a:t>フィルター機能</a:t>
+            </a:r>
+            <a:endParaRPr lang="en-US" altLang="ja-JP" sz="2800" dirty="0" smtClean="0"/>
+          </a:p>
+        </p:txBody>
+      </p:sp>
+    </p:spTree>
+    <p:extLst>
+      <p:ext uri="{BB962C8B-B14F-4D97-AF65-F5344CB8AC3E}">
+        <p14:creationId xmlns:p14="http://schemas.microsoft.com/office/powerpoint/2010/main" val="2030967726"/>
+      </p:ext>
+    </p:extLst>
+  </p:cSld>
+  <p:clrMapOvr>
+    <a:masterClrMapping/>
+  </p:clrMapOvr>
+</p:sld>
+</file>
+
+<file path=ppt/slides/slide4.xml><?xml version="1.0" encoding="utf-8"?>
+<p:sld xmlns:a="http://schemas.openxmlformats.org/drawingml/2006/main" xmlns:r="http://schemas.openxmlformats.org/officeDocument/2006/relationships" xmlns:p="http://schemas.openxmlformats.org/presentationml/2006/main">
+  <p:cSld>
+    <p:spTree>
+      <p:nvGrpSpPr>
+        <p:cNvPr id="1" name=""/>
+        <p:cNvGrpSpPr/>
+        <p:nvPr/>
+      </p:nvGrpSpPr>
+      <p:grpSpPr>
+        <a:xfrm>
+          <a:off x="0" y="0"/>
+          <a:ext cx="0" cy="0"/>
+          <a:chOff x="0" y="0"/>
+          <a:chExt cx="0" cy="0"/>
+        </a:xfrm>
+      </p:grpSpPr>
+      <p:sp>
+        <p:nvSpPr>
+          <p:cNvPr id="2" name="タイトル 1"/>
+          <p:cNvSpPr>
+            <a:spLocks noGrp="1"/>
+          </p:cNvSpPr>
+          <p:nvPr>
+            <p:ph type="title"/>
+          </p:nvPr>
+        </p:nvSpPr>
+        <p:spPr>
+          <a:xfrm>
+            <a:off x="1441281" y="115644"/>
+            <a:ext cx="10018713" cy="863301"/>
+          </a:xfrm>
+        </p:spPr>
+        <p:txBody>
+          <a:bodyPr/>
+          <a:lstStyle/>
+          <a:p>
+            <a:r>
+              <a:rPr kumimoji="1" lang="ja-JP" altLang="en-US" dirty="0" smtClean="0"/>
+              <a:t>画面</a:t>
+            </a:r>
+            <a:r>
+              <a:rPr kumimoji="1" lang="ja-JP" altLang="en-US" dirty="0" smtClean="0"/>
+              <a:t>レイアウト③　住所入力画面</a:t>
+            </a:r>
+            <a:endParaRPr kumimoji="1" lang="ja-JP" altLang="en-US" dirty="0"/>
+          </a:p>
+        </p:txBody>
+      </p:sp>
+      <p:grpSp>
+        <p:nvGrpSpPr>
+          <p:cNvPr id="19" name="グループ化 18"/>
+          <p:cNvGrpSpPr/>
+          <p:nvPr/>
+        </p:nvGrpSpPr>
+        <p:grpSpPr>
+          <a:xfrm>
+            <a:off x="473335" y="1075763"/>
+            <a:ext cx="3291840" cy="5056094"/>
+            <a:chOff x="4647303" y="1118794"/>
+            <a:chExt cx="3291840" cy="5056094"/>
+          </a:xfrm>
+        </p:grpSpPr>
+        <p:sp>
+          <p:nvSpPr>
+            <p:cNvPr id="21" name="角丸四角形 20"/>
+            <p:cNvSpPr/>
+            <p:nvPr/>
+          </p:nvSpPr>
+          <p:spPr>
+            <a:xfrm>
+              <a:off x="4647303" y="1118794"/>
+              <a:ext cx="3291840" cy="5056094"/>
+            </a:xfrm>
+            <a:prstGeom prst="roundRect">
+              <a:avLst/>
+            </a:prstGeom>
+            <a:solidFill>
+              <a:schemeClr val="bg1"/>
+            </a:solidFill>
+            <a:ln w="19050">
+              <a:solidFill>
+                <a:schemeClr val="tx1"/>
+              </a:solidFill>
+            </a:ln>
+          </p:spPr>
+          <p:style>
+            <a:lnRef idx="2">
+              <a:schemeClr val="accent1">
+                <a:shade val="50000"/>
+              </a:schemeClr>
+            </a:lnRef>
+            <a:fillRef idx="1">
+              <a:schemeClr val="accent1"/>
+            </a:fillRef>
+            <a:effectRef idx="0">
+              <a:schemeClr val="accent1"/>
+            </a:effectRef>
+            <a:fontRef idx="minor">
+              <a:schemeClr val="lt1"/>
+            </a:fontRef>
+          </p:style>
+          <p:txBody>
+            <a:bodyPr rtlCol="0" anchor="ctr"/>
+            <a:lstStyle/>
+            <a:p>
+              <a:pPr algn="ctr"/>
+              <a:endParaRPr kumimoji="1" lang="ja-JP" altLang="en-US"/>
+            </a:p>
+          </p:txBody>
+        </p:sp>
+        <p:sp>
+          <p:nvSpPr>
+            <p:cNvPr id="24" name="正方形/長方形 23"/>
+            <p:cNvSpPr/>
+            <p:nvPr/>
+          </p:nvSpPr>
+          <p:spPr>
+            <a:xfrm>
+              <a:off x="4889350" y="1645921"/>
+              <a:ext cx="2807746" cy="3076687"/>
+            </a:xfrm>
+            <a:prstGeom prst="rect">
+              <a:avLst/>
+            </a:prstGeom>
+            <a:solidFill>
+              <a:schemeClr val="accent1"/>
+            </a:solidFill>
+          </p:spPr>
+          <p:style>
+            <a:lnRef idx="2">
+              <a:schemeClr val="accent1">
+                <a:shade val="50000"/>
+              </a:schemeClr>
+            </a:lnRef>
+            <a:fillRef idx="1">
+              <a:schemeClr val="accent1"/>
+            </a:fillRef>
+            <a:effectRef idx="0">
+              <a:schemeClr val="accent1"/>
+            </a:effectRef>
+            <a:fontRef idx="minor">
+              <a:schemeClr val="lt1"/>
+            </a:fontRef>
+          </p:style>
+          <p:txBody>
+            <a:bodyPr rtlCol="0" anchor="ctr"/>
+            <a:lstStyle/>
+            <a:p>
+              <a:pPr algn="ctr"/>
+              <a:r>
+                <a:rPr kumimoji="1" lang="en-US" altLang="ja-JP" sz="6000" dirty="0" smtClean="0">
+                  <a:solidFill>
+                    <a:schemeClr val="bg1"/>
+                  </a:solidFill>
+                </a:rPr>
+                <a:t>MAP</a:t>
+              </a:r>
+              <a:endParaRPr kumimoji="1" lang="ja-JP" altLang="en-US" dirty="0">
+                <a:solidFill>
+                  <a:schemeClr val="bg1"/>
+                </a:solidFill>
+              </a:endParaRPr>
+            </a:p>
+          </p:txBody>
+        </p:sp>
+        <p:sp>
+          <p:nvSpPr>
+            <p:cNvPr id="25" name="正方形/長方形 24"/>
+            <p:cNvSpPr/>
+            <p:nvPr/>
+          </p:nvSpPr>
+          <p:spPr>
+            <a:xfrm>
+              <a:off x="4889350" y="5206701"/>
+              <a:ext cx="715384" cy="484094"/>
+            </a:xfrm>
+            <a:prstGeom prst="rect">
+              <a:avLst/>
+            </a:prstGeom>
+            <a:solidFill>
+              <a:schemeClr val="bg1"/>
+            </a:solidFill>
+            <a:ln w="19050">
+              <a:solidFill>
+                <a:schemeClr val="tx1"/>
+              </a:solidFill>
+            </a:ln>
+          </p:spPr>
+          <p:style>
+            <a:lnRef idx="2">
+              <a:schemeClr val="accent1">
+                <a:shade val="50000"/>
+              </a:schemeClr>
+            </a:lnRef>
+            <a:fillRef idx="1">
+              <a:schemeClr val="accent1"/>
+            </a:fillRef>
+            <a:effectRef idx="0">
+              <a:schemeClr val="accent1"/>
+            </a:effectRef>
+            <a:fontRef idx="minor">
+              <a:schemeClr val="lt1"/>
+            </a:fontRef>
+          </p:style>
+          <p:txBody>
+            <a:bodyPr rtlCol="0" anchor="ctr"/>
+            <a:lstStyle/>
+            <a:p>
+              <a:pPr algn="ctr"/>
+              <a:r>
+                <a:rPr kumimoji="1" lang="en-US" altLang="ja-JP" dirty="0" err="1" smtClean="0">
+                  <a:solidFill>
+                    <a:schemeClr val="tx1"/>
+                  </a:solidFill>
+                </a:rPr>
+                <a:t>Btn</a:t>
+              </a:r>
+              <a:r>
+                <a:rPr kumimoji="1" lang="ja-JP" altLang="en-US" dirty="0" smtClean="0">
+                  <a:solidFill>
+                    <a:schemeClr val="tx1"/>
+                  </a:solidFill>
+                </a:rPr>
+                <a:t>①</a:t>
+              </a:r>
+              <a:endParaRPr kumimoji="1" lang="ja-JP" altLang="en-US" dirty="0">
+                <a:solidFill>
+                  <a:schemeClr val="tx1"/>
+                </a:solidFill>
+              </a:endParaRPr>
+            </a:p>
+          </p:txBody>
+        </p:sp>
+        <p:sp>
+          <p:nvSpPr>
+            <p:cNvPr id="27" name="正方形/長方形 26"/>
+            <p:cNvSpPr/>
+            <p:nvPr/>
+          </p:nvSpPr>
+          <p:spPr>
+            <a:xfrm>
+              <a:off x="5891607" y="5208489"/>
+              <a:ext cx="715384" cy="484094"/>
+            </a:xfrm>
+            <a:prstGeom prst="rect">
+              <a:avLst/>
+            </a:prstGeom>
+            <a:solidFill>
+              <a:schemeClr val="bg1"/>
+            </a:solidFill>
+            <a:ln w="19050">
+              <a:solidFill>
+                <a:schemeClr val="tx1"/>
+              </a:solidFill>
+            </a:ln>
+          </p:spPr>
+          <p:style>
+            <a:lnRef idx="2">
+              <a:schemeClr val="accent1">
+                <a:shade val="50000"/>
+              </a:schemeClr>
+            </a:lnRef>
+            <a:fillRef idx="1">
+              <a:schemeClr val="accent1"/>
+            </a:fillRef>
+            <a:effectRef idx="0">
+              <a:schemeClr val="accent1"/>
+            </a:effectRef>
+            <a:fontRef idx="minor">
+              <a:schemeClr val="lt1"/>
+            </a:fontRef>
+          </p:style>
+          <p:txBody>
+            <a:bodyPr rtlCol="0" anchor="ctr"/>
+            <a:lstStyle/>
+            <a:p>
+              <a:pPr algn="ctr"/>
+              <a:r>
+                <a:rPr kumimoji="1" lang="en-US" altLang="ja-JP" dirty="0" err="1" smtClean="0">
+                  <a:solidFill>
+                    <a:schemeClr val="tx1"/>
+                  </a:solidFill>
+                </a:rPr>
+                <a:t>Btn</a:t>
+              </a:r>
+              <a:r>
+                <a:rPr kumimoji="1" lang="ja-JP" altLang="en-US" dirty="0" smtClean="0">
+                  <a:solidFill>
+                    <a:schemeClr val="tx1"/>
+                  </a:solidFill>
+                </a:rPr>
+                <a:t>②</a:t>
+              </a:r>
+              <a:endParaRPr kumimoji="1" lang="ja-JP" altLang="en-US" dirty="0">
+                <a:solidFill>
+                  <a:schemeClr val="tx1"/>
+                </a:solidFill>
+              </a:endParaRPr>
+            </a:p>
+          </p:txBody>
+        </p:sp>
+        <p:sp>
+          <p:nvSpPr>
+            <p:cNvPr id="28" name="正方形/長方形 27"/>
+            <p:cNvSpPr/>
+            <p:nvPr/>
+          </p:nvSpPr>
+          <p:spPr>
+            <a:xfrm>
+              <a:off x="6913580" y="5208489"/>
+              <a:ext cx="715384" cy="484094"/>
+            </a:xfrm>
+            <a:prstGeom prst="rect">
+              <a:avLst/>
+            </a:prstGeom>
+            <a:solidFill>
+              <a:srgbClr val="FFFF00"/>
+            </a:solidFill>
+            <a:ln w="19050">
+              <a:solidFill>
+                <a:schemeClr val="tx1"/>
+              </a:solidFill>
+            </a:ln>
+          </p:spPr>
+          <p:style>
+            <a:lnRef idx="2">
+              <a:schemeClr val="accent1">
+                <a:shade val="50000"/>
+              </a:schemeClr>
+            </a:lnRef>
+            <a:fillRef idx="1">
+              <a:schemeClr val="accent1"/>
+            </a:fillRef>
+            <a:effectRef idx="0">
+              <a:schemeClr val="accent1"/>
+            </a:effectRef>
+            <a:fontRef idx="minor">
+              <a:schemeClr val="lt1"/>
+            </a:fontRef>
+          </p:style>
+          <p:txBody>
+            <a:bodyPr rtlCol="0" anchor="ctr"/>
+            <a:lstStyle/>
+            <a:p>
+              <a:pPr algn="ctr"/>
+              <a:r>
+                <a:rPr lang="en-US" altLang="ja-JP" dirty="0" err="1" smtClean="0">
+                  <a:solidFill>
+                    <a:schemeClr val="tx1"/>
+                  </a:solidFill>
+                </a:rPr>
+                <a:t>Btn</a:t>
+              </a:r>
+              <a:endParaRPr lang="en-US" altLang="ja-JP" dirty="0" smtClean="0">
+                <a:solidFill>
+                  <a:schemeClr val="tx1"/>
+                </a:solidFill>
+              </a:endParaRPr>
+            </a:p>
+            <a:p>
+              <a:pPr algn="ctr"/>
+              <a:r>
+                <a:rPr kumimoji="1" lang="ja-JP" altLang="en-US" dirty="0" smtClean="0">
+                  <a:solidFill>
+                    <a:schemeClr val="tx1"/>
+                  </a:solidFill>
+                </a:rPr>
+                <a:t>③</a:t>
+              </a:r>
+              <a:endParaRPr kumimoji="1" lang="ja-JP" altLang="en-US" dirty="0">
+                <a:solidFill>
+                  <a:schemeClr val="tx1"/>
+                </a:solidFill>
+              </a:endParaRPr>
+            </a:p>
+          </p:txBody>
+        </p:sp>
+      </p:grpSp>
+      <p:cxnSp>
+        <p:nvCxnSpPr>
+          <p:cNvPr id="22" name="直線矢印コネクタ 21"/>
+          <p:cNvCxnSpPr/>
+          <p:nvPr/>
+        </p:nvCxnSpPr>
+        <p:spPr>
+          <a:xfrm flipV="1">
+            <a:off x="3454996" y="4677781"/>
+            <a:ext cx="1428976" cy="729726"/>
+          </a:xfrm>
+          <a:prstGeom prst="straightConnector1">
+            <a:avLst/>
+          </a:prstGeom>
+          <a:ln w="19050">
+            <a:solidFill>
+              <a:schemeClr val="tx1"/>
+            </a:solidFill>
+            <a:tailEnd type="triangle"/>
+          </a:ln>
+        </p:spPr>
+        <p:style>
+          <a:lnRef idx="1">
+            <a:schemeClr val="accent1"/>
+          </a:lnRef>
+          <a:fillRef idx="0">
+            <a:schemeClr val="accent1"/>
+          </a:fillRef>
+          <a:effectRef idx="0">
+            <a:schemeClr val="accent1"/>
+          </a:effectRef>
+          <a:fontRef idx="minor">
+            <a:schemeClr val="tx1"/>
+          </a:fontRef>
+        </p:style>
+      </p:cxnSp>
+      <p:sp>
+        <p:nvSpPr>
+          <p:cNvPr id="26" name="角丸四角形 25"/>
+          <p:cNvSpPr/>
+          <p:nvPr/>
+        </p:nvSpPr>
+        <p:spPr>
+          <a:xfrm>
+            <a:off x="5009479" y="989701"/>
+            <a:ext cx="3291840" cy="5056094"/>
+          </a:xfrm>
+          <a:prstGeom prst="roundRect">
+            <a:avLst/>
+          </a:prstGeom>
+          <a:solidFill>
+            <a:schemeClr val="bg1"/>
+          </a:solidFill>
+          <a:ln w="19050">
+            <a:solidFill>
+              <a:schemeClr val="tx1"/>
+            </a:solidFill>
+          </a:ln>
+        </p:spPr>
+        <p:style>
+          <a:lnRef idx="2">
+            <a:schemeClr val="accent1">
+              <a:shade val="50000"/>
+            </a:schemeClr>
+          </a:lnRef>
+          <a:fillRef idx="1">
+            <a:schemeClr val="accent1"/>
+          </a:fillRef>
+          <a:effectRef idx="0">
+            <a:schemeClr val="accent1"/>
+          </a:effectRef>
+          <a:fontRef idx="minor">
+            <a:schemeClr val="lt1"/>
+          </a:fontRef>
+        </p:style>
+        <p:txBody>
+          <a:bodyPr rtlCol="0" anchor="ctr"/>
+          <a:lstStyle/>
+          <a:p>
+            <a:pPr algn="ctr"/>
+            <a:endParaRPr kumimoji="1" lang="ja-JP" altLang="en-US"/>
+          </a:p>
+        </p:txBody>
+      </p:sp>
+      <p:sp>
+        <p:nvSpPr>
+          <p:cNvPr id="4" name="正方形/長方形 3"/>
+          <p:cNvSpPr/>
+          <p:nvPr/>
+        </p:nvSpPr>
+        <p:spPr>
+          <a:xfrm>
+            <a:off x="5414684" y="1662057"/>
+            <a:ext cx="2542391" cy="3657598"/>
+          </a:xfrm>
+          <a:prstGeom prst="rect">
+            <a:avLst/>
+          </a:prstGeom>
+          <a:solidFill>
+            <a:schemeClr val="bg1"/>
+          </a:solidFill>
+          <a:ln w="28575">
+            <a:solidFill>
+              <a:schemeClr val="tx1"/>
+            </a:solidFill>
+          </a:ln>
+        </p:spPr>
+        <p:style>
+          <a:lnRef idx="2">
+            <a:schemeClr val="accent1">
+              <a:shade val="50000"/>
+            </a:schemeClr>
+          </a:lnRef>
+          <a:fillRef idx="1">
+            <a:schemeClr val="accent1"/>
+          </a:fillRef>
+          <a:effectRef idx="0">
+            <a:schemeClr val="accent1"/>
+          </a:effectRef>
+          <a:fontRef idx="minor">
+            <a:schemeClr val="lt1"/>
+          </a:fontRef>
+        </p:style>
+        <p:txBody>
+          <a:bodyPr rtlCol="0" anchor="ctr"/>
+          <a:lstStyle/>
+          <a:p>
+            <a:pPr algn="ctr"/>
+            <a:endParaRPr kumimoji="1" lang="ja-JP" altLang="en-US"/>
+          </a:p>
+        </p:txBody>
+      </p:sp>
+      <p:sp>
+        <p:nvSpPr>
+          <p:cNvPr id="7" name="テキスト ボックス 6"/>
+          <p:cNvSpPr txBox="1"/>
+          <p:nvPr/>
+        </p:nvSpPr>
+        <p:spPr>
+          <a:xfrm>
+            <a:off x="5571784" y="2049329"/>
+            <a:ext cx="646331" cy="369332"/>
+          </a:xfrm>
+          <a:prstGeom prst="rect">
+            <a:avLst/>
+          </a:prstGeom>
+          <a:noFill/>
+        </p:spPr>
+        <p:txBody>
+          <a:bodyPr wrap="none" rtlCol="0">
+            <a:spAutoFit/>
+          </a:bodyPr>
+          <a:lstStyle/>
+          <a:p>
+            <a:r>
+              <a:rPr lang="ja-JP" altLang="en-US" dirty="0"/>
+              <a:t>住所</a:t>
+            </a:r>
+            <a:endParaRPr kumimoji="1" lang="ja-JP" altLang="en-US" dirty="0"/>
+          </a:p>
+        </p:txBody>
+      </p:sp>
+      <p:cxnSp>
+        <p:nvCxnSpPr>
+          <p:cNvPr id="9" name="直線コネクタ 8"/>
+          <p:cNvCxnSpPr/>
+          <p:nvPr/>
+        </p:nvCxnSpPr>
+        <p:spPr>
+          <a:xfrm>
+            <a:off x="5571784" y="2818503"/>
+            <a:ext cx="2228190" cy="0"/>
+          </a:xfrm>
+          <a:prstGeom prst="line">
+            <a:avLst/>
+          </a:prstGeom>
+          <a:ln w="19050">
+            <a:solidFill>
+              <a:schemeClr val="tx1"/>
+            </a:solidFill>
+          </a:ln>
+        </p:spPr>
+        <p:style>
+          <a:lnRef idx="1">
+            <a:schemeClr val="accent1"/>
+          </a:lnRef>
+          <a:fillRef idx="0">
+            <a:schemeClr val="accent1"/>
+          </a:fillRef>
+          <a:effectRef idx="0">
+            <a:schemeClr val="accent1"/>
+          </a:effectRef>
+          <a:fontRef idx="minor">
+            <a:schemeClr val="tx1"/>
+          </a:fontRef>
+        </p:style>
+      </p:cxnSp>
+      <p:sp>
+        <p:nvSpPr>
+          <p:cNvPr id="10" name="正方形/長方形 9"/>
+          <p:cNvSpPr/>
+          <p:nvPr/>
+        </p:nvSpPr>
+        <p:spPr>
+          <a:xfrm>
+            <a:off x="5803758" y="2996005"/>
+            <a:ext cx="731520" cy="516365"/>
+          </a:xfrm>
+          <a:prstGeom prst="rect">
+            <a:avLst/>
+          </a:prstGeom>
+          <a:solidFill>
+            <a:schemeClr val="bg1"/>
+          </a:solidFill>
+          <a:ln w="19050">
+            <a:solidFill>
+              <a:schemeClr val="tx1"/>
+            </a:solidFill>
+          </a:ln>
+        </p:spPr>
+        <p:style>
+          <a:lnRef idx="2">
+            <a:schemeClr val="accent1">
+              <a:shade val="50000"/>
+            </a:schemeClr>
+          </a:lnRef>
+          <a:fillRef idx="1">
+            <a:schemeClr val="accent1"/>
+          </a:fillRef>
+          <a:effectRef idx="0">
+            <a:schemeClr val="accent1"/>
+          </a:effectRef>
+          <a:fontRef idx="minor">
+            <a:schemeClr val="lt1"/>
+          </a:fontRef>
+        </p:style>
+        <p:txBody>
+          <a:bodyPr rtlCol="0" anchor="ctr"/>
+          <a:lstStyle/>
+          <a:p>
+            <a:pPr algn="ctr"/>
+            <a:r>
+              <a:rPr kumimoji="1" lang="en-US" altLang="ja-JP" dirty="0" err="1" smtClean="0">
+                <a:solidFill>
+                  <a:schemeClr val="tx1"/>
+                </a:solidFill>
+              </a:rPr>
+              <a:t>Btn</a:t>
+            </a:r>
+            <a:r>
+              <a:rPr kumimoji="1" lang="ja-JP" altLang="en-US" dirty="0" smtClean="0">
+                <a:solidFill>
+                  <a:schemeClr val="tx1"/>
+                </a:solidFill>
+              </a:rPr>
+              <a:t>④</a:t>
+            </a:r>
+            <a:endParaRPr kumimoji="1" lang="ja-JP" altLang="en-US" dirty="0">
+              <a:solidFill>
+                <a:schemeClr val="tx1"/>
+              </a:solidFill>
+            </a:endParaRPr>
+          </a:p>
+        </p:txBody>
+      </p:sp>
+      <p:sp>
+        <p:nvSpPr>
+          <p:cNvPr id="42" name="正方形/長方形 41"/>
+          <p:cNvSpPr/>
+          <p:nvPr/>
+        </p:nvSpPr>
+        <p:spPr>
+          <a:xfrm>
+            <a:off x="6784498" y="2996004"/>
+            <a:ext cx="731520" cy="516365"/>
+          </a:xfrm>
+          <a:prstGeom prst="rect">
+            <a:avLst/>
+          </a:prstGeom>
+          <a:solidFill>
+            <a:schemeClr val="bg1"/>
+          </a:solidFill>
+          <a:ln w="19050">
+            <a:solidFill>
+              <a:schemeClr val="tx1"/>
+            </a:solidFill>
+          </a:ln>
+        </p:spPr>
+        <p:style>
+          <a:lnRef idx="2">
+            <a:schemeClr val="accent1">
+              <a:shade val="50000"/>
+            </a:schemeClr>
+          </a:lnRef>
+          <a:fillRef idx="1">
+            <a:schemeClr val="accent1"/>
+          </a:fillRef>
+          <a:effectRef idx="0">
+            <a:schemeClr val="accent1"/>
+          </a:effectRef>
+          <a:fontRef idx="minor">
+            <a:schemeClr val="lt1"/>
+          </a:fontRef>
+        </p:style>
+        <p:txBody>
+          <a:bodyPr rtlCol="0" anchor="ctr"/>
+          <a:lstStyle/>
+          <a:p>
+            <a:pPr algn="ctr"/>
+            <a:r>
+              <a:rPr kumimoji="1" lang="en-US" altLang="ja-JP" dirty="0" err="1" smtClean="0">
+                <a:solidFill>
+                  <a:schemeClr val="tx1"/>
+                </a:solidFill>
+              </a:rPr>
+              <a:t>Btn</a:t>
+            </a:r>
+            <a:r>
+              <a:rPr lang="ja-JP" altLang="en-US" dirty="0">
+                <a:solidFill>
+                  <a:schemeClr val="tx1"/>
+                </a:solidFill>
+              </a:rPr>
+              <a:t>⑤</a:t>
+            </a:r>
+            <a:endParaRPr kumimoji="1" lang="ja-JP" altLang="en-US" dirty="0">
+              <a:solidFill>
+                <a:schemeClr val="tx1"/>
+              </a:solidFill>
+            </a:endParaRPr>
+          </a:p>
+        </p:txBody>
+      </p:sp>
+      <p:cxnSp>
+        <p:nvCxnSpPr>
+          <p:cNvPr id="43" name="直線矢印コネクタ 42"/>
+          <p:cNvCxnSpPr/>
+          <p:nvPr/>
+        </p:nvCxnSpPr>
+        <p:spPr>
+          <a:xfrm>
+            <a:off x="6169518" y="3512369"/>
+            <a:ext cx="2402537" cy="1165412"/>
+          </a:xfrm>
+          <a:prstGeom prst="straightConnector1">
+            <a:avLst/>
+          </a:prstGeom>
+          <a:ln w="19050">
+            <a:solidFill>
+              <a:schemeClr val="tx1"/>
+            </a:solidFill>
+            <a:tailEnd type="triangle"/>
+          </a:ln>
+        </p:spPr>
+        <p:style>
+          <a:lnRef idx="1">
+            <a:schemeClr val="accent1"/>
+          </a:lnRef>
+          <a:fillRef idx="0">
+            <a:schemeClr val="accent1"/>
+          </a:fillRef>
+          <a:effectRef idx="0">
+            <a:schemeClr val="accent1"/>
+          </a:effectRef>
+          <a:fontRef idx="minor">
+            <a:schemeClr val="tx1"/>
+          </a:fontRef>
+        </p:style>
+      </p:cxnSp>
+      <p:sp>
+        <p:nvSpPr>
+          <p:cNvPr id="44" name="テキスト ボックス 43"/>
+          <p:cNvSpPr txBox="1"/>
+          <p:nvPr/>
+        </p:nvSpPr>
+        <p:spPr>
+          <a:xfrm>
+            <a:off x="8706524" y="4396313"/>
+            <a:ext cx="3215945" cy="646331"/>
+          </a:xfrm>
+          <a:prstGeom prst="rect">
+            <a:avLst/>
+          </a:prstGeom>
+          <a:noFill/>
+        </p:spPr>
+        <p:txBody>
+          <a:bodyPr wrap="none" rtlCol="0">
+            <a:spAutoFit/>
+          </a:bodyPr>
+          <a:lstStyle/>
+          <a:p>
+            <a:r>
+              <a:rPr kumimoji="1" lang="en-US" altLang="ja-JP" dirty="0" smtClean="0"/>
+              <a:t>SEND : </a:t>
+            </a:r>
+            <a:r>
+              <a:rPr kumimoji="1" lang="ja-JP" altLang="en-US" dirty="0" smtClean="0"/>
+              <a:t>入力した住所を</a:t>
+            </a:r>
+            <a:r>
+              <a:rPr lang="ja-JP" altLang="en-US" dirty="0" smtClean="0"/>
+              <a:t>送信し</a:t>
+            </a:r>
+            <a:endParaRPr lang="en-US" altLang="ja-JP" dirty="0" smtClean="0"/>
+          </a:p>
+          <a:p>
+            <a:r>
+              <a:rPr kumimoji="1" lang="ja-JP" altLang="en-US" dirty="0"/>
+              <a:t>　</a:t>
+            </a:r>
+            <a:r>
+              <a:rPr kumimoji="1" lang="ja-JP" altLang="en-US" dirty="0" smtClean="0"/>
+              <a:t>　　メイン画面に戻る</a:t>
+            </a:r>
+            <a:endParaRPr kumimoji="1" lang="en-US" altLang="ja-JP" dirty="0" smtClean="0"/>
+          </a:p>
+        </p:txBody>
+      </p:sp>
+      <p:cxnSp>
+        <p:nvCxnSpPr>
+          <p:cNvPr id="45" name="直線矢印コネクタ 44"/>
+          <p:cNvCxnSpPr>
+            <a:stCxn id="42" idx="3"/>
+          </p:cNvCxnSpPr>
+          <p:nvPr/>
+        </p:nvCxnSpPr>
+        <p:spPr>
+          <a:xfrm>
+            <a:off x="7516018" y="3254187"/>
+            <a:ext cx="1056037" cy="80682"/>
+          </a:xfrm>
+          <a:prstGeom prst="straightConnector1">
+            <a:avLst/>
+          </a:prstGeom>
+          <a:ln w="19050">
+            <a:solidFill>
+              <a:schemeClr val="tx1"/>
+            </a:solidFill>
+            <a:tailEnd type="triangle"/>
+          </a:ln>
+        </p:spPr>
+        <p:style>
+          <a:lnRef idx="1">
+            <a:schemeClr val="accent1"/>
+          </a:lnRef>
+          <a:fillRef idx="0">
+            <a:schemeClr val="accent1"/>
+          </a:fillRef>
+          <a:effectRef idx="0">
+            <a:schemeClr val="accent1"/>
+          </a:effectRef>
+          <a:fontRef idx="minor">
+            <a:schemeClr val="tx1"/>
+          </a:fontRef>
+        </p:style>
+      </p:cxnSp>
+      <p:sp>
+        <p:nvSpPr>
+          <p:cNvPr id="50" name="テキスト ボックス 49"/>
+          <p:cNvSpPr txBox="1"/>
+          <p:nvPr/>
+        </p:nvSpPr>
+        <p:spPr>
+          <a:xfrm>
+            <a:off x="8667079" y="3141233"/>
+            <a:ext cx="2954655" cy="646331"/>
+          </a:xfrm>
+          <a:prstGeom prst="rect">
+            <a:avLst/>
+          </a:prstGeom>
+          <a:noFill/>
+        </p:spPr>
+        <p:txBody>
+          <a:bodyPr wrap="none" rtlCol="0">
+            <a:spAutoFit/>
+          </a:bodyPr>
+          <a:lstStyle/>
+          <a:p>
+            <a:r>
+              <a:rPr lang="en-US" altLang="ja-JP" dirty="0" smtClean="0"/>
+              <a:t>CANCEL : </a:t>
+            </a:r>
+            <a:r>
+              <a:rPr lang="ja-JP" altLang="en-US" dirty="0" smtClean="0"/>
+              <a:t>入力を破棄して</a:t>
+            </a:r>
+            <a:endParaRPr lang="en-US" altLang="ja-JP" dirty="0" smtClean="0"/>
+          </a:p>
+          <a:p>
+            <a:r>
+              <a:rPr kumimoji="1" lang="ja-JP" altLang="en-US" dirty="0"/>
+              <a:t>　</a:t>
+            </a:r>
+            <a:r>
+              <a:rPr kumimoji="1" lang="ja-JP" altLang="en-US" dirty="0" smtClean="0"/>
+              <a:t>　　　メイン画面に戻る</a:t>
+            </a:r>
+            <a:endParaRPr kumimoji="1" lang="en-US" altLang="ja-JP" dirty="0" smtClean="0"/>
+          </a:p>
+        </p:txBody>
+      </p:sp>
+      <p:sp>
+        <p:nvSpPr>
+          <p:cNvPr id="51" name="テキスト ボックス 50"/>
+          <p:cNvSpPr txBox="1"/>
+          <p:nvPr/>
+        </p:nvSpPr>
+        <p:spPr>
+          <a:xfrm>
+            <a:off x="5678925" y="2503538"/>
+            <a:ext cx="1176925" cy="307777"/>
+          </a:xfrm>
+          <a:prstGeom prst="rect">
+            <a:avLst/>
+          </a:prstGeom>
+          <a:noFill/>
+        </p:spPr>
+        <p:txBody>
+          <a:bodyPr wrap="none" rtlCol="0">
+            <a:spAutoFit/>
+          </a:bodyPr>
+          <a:lstStyle/>
+          <a:p>
+            <a:r>
+              <a:rPr lang="ja-JP" altLang="en-US" sz="1400" dirty="0" smtClean="0"/>
+              <a:t>○県○市</a:t>
+            </a:r>
+            <a:r>
+              <a:rPr lang="en-US" altLang="ja-JP" sz="1400" dirty="0" smtClean="0"/>
+              <a:t>~~~</a:t>
+            </a:r>
+            <a:endParaRPr kumimoji="1" lang="ja-JP" altLang="en-US" sz="1400" dirty="0"/>
+          </a:p>
+        </p:txBody>
+      </p:sp>
+    </p:spTree>
+    <p:extLst>
+      <p:ext uri="{BB962C8B-B14F-4D97-AF65-F5344CB8AC3E}">
+        <p14:creationId xmlns:p14="http://schemas.microsoft.com/office/powerpoint/2010/main" val="4009015050"/>
+      </p:ext>
+    </p:extLst>
+  </p:cSld>
+  <p:clrMapOvr>
+    <a:masterClrMapping/>
+  </p:clrMapOvr>
+</p:sld>
+</file>
+
+<file path=ppt/slides/slide5.xml><?xml version="1.0" encoding="utf-8"?>
+<p:sld xmlns:a="http://schemas.openxmlformats.org/drawingml/2006/main" xmlns:r="http://schemas.openxmlformats.org/officeDocument/2006/relationships" xmlns:p="http://schemas.openxmlformats.org/presentationml/2006/main">
+  <p:cSld>
+    <p:spTree>
+      <p:nvGrpSpPr>
+        <p:cNvPr id="1" name=""/>
+        <p:cNvGrpSpPr/>
+        <p:nvPr/>
+      </p:nvGrpSpPr>
+      <p:grpSpPr>
+        <a:xfrm>
+          <a:off x="0" y="0"/>
+          <a:ext cx="0" cy="0"/>
+          <a:chOff x="0" y="0"/>
+          <a:chExt cx="0" cy="0"/>
+        </a:xfrm>
+      </p:grpSpPr>
+      <p:sp>
+        <p:nvSpPr>
+          <p:cNvPr id="2" name="タイトル 1"/>
+          <p:cNvSpPr>
+            <a:spLocks noGrp="1"/>
+          </p:cNvSpPr>
+          <p:nvPr>
+            <p:ph type="title"/>
+          </p:nvPr>
+        </p:nvSpPr>
+        <p:spPr>
+          <a:xfrm>
+            <a:off x="1441281" y="115644"/>
+            <a:ext cx="10018713" cy="863301"/>
+          </a:xfrm>
+        </p:spPr>
+        <p:txBody>
+          <a:bodyPr>
+            <a:normAutofit/>
+          </a:bodyPr>
+          <a:lstStyle/>
+          <a:p>
+            <a:r>
+              <a:rPr lang="ja-JP" altLang="en-US" dirty="0" smtClean="0"/>
+              <a:t>ユースケース図</a:t>
+            </a:r>
+            <a:endParaRPr kumimoji="1" lang="ja-JP" altLang="en-US" dirty="0"/>
+          </a:p>
+        </p:txBody>
+      </p:sp>
+      <p:sp>
+        <p:nvSpPr>
+          <p:cNvPr id="3" name="正方形/長方形 2"/>
+          <p:cNvSpPr/>
+          <p:nvPr/>
+        </p:nvSpPr>
+        <p:spPr>
+          <a:xfrm>
+            <a:off x="4686383" y="1301676"/>
+            <a:ext cx="3295791" cy="4701092"/>
+          </a:xfrm>
+          <a:prstGeom prst="rect">
+            <a:avLst/>
+          </a:prstGeom>
+          <a:solidFill>
+            <a:schemeClr val="bg1"/>
+          </a:solidFill>
+          <a:ln w="28575">
+            <a:solidFill>
+              <a:schemeClr val="tx1"/>
+            </a:solidFill>
+          </a:ln>
+        </p:spPr>
+        <p:style>
+          <a:lnRef idx="2">
+            <a:schemeClr val="accent1">
+              <a:shade val="50000"/>
+            </a:schemeClr>
+          </a:lnRef>
+          <a:fillRef idx="1">
+            <a:schemeClr val="accent1"/>
+          </a:fillRef>
+          <a:effectRef idx="0">
+            <a:schemeClr val="accent1"/>
+          </a:effectRef>
+          <a:fontRef idx="minor">
+            <a:schemeClr val="lt1"/>
+          </a:fontRef>
+        </p:style>
+        <p:txBody>
+          <a:bodyPr rtlCol="0" anchor="ctr"/>
+          <a:lstStyle/>
+          <a:p>
+            <a:pPr algn="ctr"/>
+            <a:endParaRPr kumimoji="1" lang="ja-JP" altLang="en-US"/>
+          </a:p>
+        </p:txBody>
+      </p:sp>
+    </p:spTree>
+    <p:extLst>
+      <p:ext uri="{BB962C8B-B14F-4D97-AF65-F5344CB8AC3E}">
+        <p14:creationId xmlns:p14="http://schemas.microsoft.com/office/powerpoint/2010/main" val="2352302402"/>
       </p:ext>
     </p:extLst>
   </p:cSld>

--- a/ExternalDesign.pptx
+++ b/ExternalDesign.pptx
@@ -618,7 +618,7 @@
           <a:p>
             <a:fld id="{2F9C0650-85CA-47F7-9BB6-62FEAA50C6AF}" type="datetimeFigureOut">
               <a:rPr kumimoji="1" lang="ja-JP" altLang="en-US" smtClean="0"/>
-              <a:t>2017/10/3</a:t>
+              <a:t>2017/10/4</a:t>
             </a:fld>
             <a:endParaRPr kumimoji="1" lang="ja-JP" altLang="en-US"/>
           </a:p>
@@ -914,7 +914,7 @@
           <a:p>
             <a:fld id="{2F9C0650-85CA-47F7-9BB6-62FEAA50C6AF}" type="datetimeFigureOut">
               <a:rPr kumimoji="1" lang="ja-JP" altLang="en-US" smtClean="0"/>
-              <a:t>2017/10/3</a:t>
+              <a:t>2017/10/4</a:t>
             </a:fld>
             <a:endParaRPr kumimoji="1" lang="ja-JP" altLang="en-US"/>
           </a:p>
@@ -1162,7 +1162,7 @@
           <a:p>
             <a:fld id="{2F9C0650-85CA-47F7-9BB6-62FEAA50C6AF}" type="datetimeFigureOut">
               <a:rPr kumimoji="1" lang="ja-JP" altLang="en-US" smtClean="0"/>
-              <a:t>2017/10/3</a:t>
+              <a:t>2017/10/4</a:t>
             </a:fld>
             <a:endParaRPr kumimoji="1" lang="ja-JP" altLang="en-US"/>
           </a:p>
@@ -1702,7 +1702,7 @@
           <a:p>
             <a:fld id="{2F9C0650-85CA-47F7-9BB6-62FEAA50C6AF}" type="datetimeFigureOut">
               <a:rPr kumimoji="1" lang="ja-JP" altLang="en-US" smtClean="0"/>
-              <a:t>2017/10/3</a:t>
+              <a:t>2017/10/4</a:t>
             </a:fld>
             <a:endParaRPr kumimoji="1" lang="ja-JP" altLang="en-US"/>
           </a:p>
@@ -1950,7 +1950,7 @@
           <a:p>
             <a:fld id="{2F9C0650-85CA-47F7-9BB6-62FEAA50C6AF}" type="datetimeFigureOut">
               <a:rPr kumimoji="1" lang="ja-JP" altLang="en-US" smtClean="0"/>
-              <a:t>2017/10/3</a:t>
+              <a:t>2017/10/4</a:t>
             </a:fld>
             <a:endParaRPr kumimoji="1" lang="ja-JP" altLang="en-US"/>
           </a:p>
@@ -2482,7 +2482,7 @@
           <a:p>
             <a:fld id="{2F9C0650-85CA-47F7-9BB6-62FEAA50C6AF}" type="datetimeFigureOut">
               <a:rPr kumimoji="1" lang="ja-JP" altLang="en-US" smtClean="0"/>
-              <a:t>2017/10/3</a:t>
+              <a:t>2017/10/4</a:t>
             </a:fld>
             <a:endParaRPr kumimoji="1" lang="ja-JP" altLang="en-US"/>
           </a:p>
@@ -2779,7 +2779,7 @@
           <a:p>
             <a:fld id="{2F9C0650-85CA-47F7-9BB6-62FEAA50C6AF}" type="datetimeFigureOut">
               <a:rPr kumimoji="1" lang="ja-JP" altLang="en-US" smtClean="0"/>
-              <a:t>2017/10/3</a:t>
+              <a:t>2017/10/4</a:t>
             </a:fld>
             <a:endParaRPr kumimoji="1" lang="ja-JP" altLang="en-US"/>
           </a:p>
@@ -2985,7 +2985,7 @@
           <a:p>
             <a:fld id="{2F9C0650-85CA-47F7-9BB6-62FEAA50C6AF}" type="datetimeFigureOut">
               <a:rPr kumimoji="1" lang="ja-JP" altLang="en-US" smtClean="0"/>
-              <a:t>2017/10/3</a:t>
+              <a:t>2017/10/4</a:t>
             </a:fld>
             <a:endParaRPr kumimoji="1" lang="ja-JP" altLang="en-US"/>
           </a:p>
@@ -3197,7 +3197,7 @@
           <a:p>
             <a:fld id="{2F9C0650-85CA-47F7-9BB6-62FEAA50C6AF}" type="datetimeFigureOut">
               <a:rPr kumimoji="1" lang="ja-JP" altLang="en-US" smtClean="0"/>
-              <a:t>2017/10/3</a:t>
+              <a:t>2017/10/4</a:t>
             </a:fld>
             <a:endParaRPr kumimoji="1" lang="ja-JP" altLang="en-US"/>
           </a:p>
@@ -3399,7 +3399,7 @@
           <a:p>
             <a:fld id="{2F9C0650-85CA-47F7-9BB6-62FEAA50C6AF}" type="datetimeFigureOut">
               <a:rPr kumimoji="1" lang="ja-JP" altLang="en-US" smtClean="0"/>
-              <a:t>2017/10/3</a:t>
+              <a:t>2017/10/4</a:t>
             </a:fld>
             <a:endParaRPr kumimoji="1" lang="ja-JP" altLang="en-US"/>
           </a:p>
@@ -3650,7 +3650,7 @@
           <a:p>
             <a:fld id="{2F9C0650-85CA-47F7-9BB6-62FEAA50C6AF}" type="datetimeFigureOut">
               <a:rPr kumimoji="1" lang="ja-JP" altLang="en-US" smtClean="0"/>
-              <a:t>2017/10/3</a:t>
+              <a:t>2017/10/4</a:t>
             </a:fld>
             <a:endParaRPr kumimoji="1" lang="ja-JP" altLang="en-US"/>
           </a:p>
@@ -4011,7 +4011,7 @@
           <a:p>
             <a:fld id="{2F9C0650-85CA-47F7-9BB6-62FEAA50C6AF}" type="datetimeFigureOut">
               <a:rPr kumimoji="1" lang="ja-JP" altLang="en-US" smtClean="0"/>
-              <a:t>2017/10/3</a:t>
+              <a:t>2017/10/4</a:t>
             </a:fld>
             <a:endParaRPr kumimoji="1" lang="ja-JP" altLang="en-US"/>
           </a:p>
@@ -4517,7 +4517,7 @@
           <a:p>
             <a:fld id="{2F9C0650-85CA-47F7-9BB6-62FEAA50C6AF}" type="datetimeFigureOut">
               <a:rPr kumimoji="1" lang="ja-JP" altLang="en-US" smtClean="0"/>
-              <a:t>2017/10/3</a:t>
+              <a:t>2017/10/4</a:t>
             </a:fld>
             <a:endParaRPr kumimoji="1" lang="ja-JP" altLang="en-US"/>
           </a:p>
@@ -4635,7 +4635,7 @@
           <a:p>
             <a:fld id="{2F9C0650-85CA-47F7-9BB6-62FEAA50C6AF}" type="datetimeFigureOut">
               <a:rPr kumimoji="1" lang="ja-JP" altLang="en-US" smtClean="0"/>
-              <a:t>2017/10/3</a:t>
+              <a:t>2017/10/4</a:t>
             </a:fld>
             <a:endParaRPr kumimoji="1" lang="ja-JP" altLang="en-US"/>
           </a:p>
@@ -4730,7 +4730,7 @@
           <a:p>
             <a:fld id="{2F9C0650-85CA-47F7-9BB6-62FEAA50C6AF}" type="datetimeFigureOut">
               <a:rPr kumimoji="1" lang="ja-JP" altLang="en-US" smtClean="0"/>
-              <a:t>2017/10/3</a:t>
+              <a:t>2017/10/4</a:t>
             </a:fld>
             <a:endParaRPr kumimoji="1" lang="ja-JP" altLang="en-US"/>
           </a:p>
@@ -5045,7 +5045,7 @@
           <a:p>
             <a:fld id="{2F9C0650-85CA-47F7-9BB6-62FEAA50C6AF}" type="datetimeFigureOut">
               <a:rPr kumimoji="1" lang="ja-JP" altLang="en-US" smtClean="0"/>
-              <a:t>2017/10/3</a:t>
+              <a:t>2017/10/4</a:t>
             </a:fld>
             <a:endParaRPr kumimoji="1" lang="ja-JP" altLang="en-US"/>
           </a:p>
@@ -5336,7 +5336,7 @@
           <a:p>
             <a:fld id="{2F9C0650-85CA-47F7-9BB6-62FEAA50C6AF}" type="datetimeFigureOut">
               <a:rPr kumimoji="1" lang="ja-JP" altLang="en-US" smtClean="0"/>
-              <a:t>2017/10/3</a:t>
+              <a:t>2017/10/4</a:t>
             </a:fld>
             <a:endParaRPr kumimoji="1" lang="ja-JP" altLang="en-US"/>
           </a:p>
@@ -5898,7 +5898,7 @@
           <a:p>
             <a:fld id="{2F9C0650-85CA-47F7-9BB6-62FEAA50C6AF}" type="datetimeFigureOut">
               <a:rPr kumimoji="1" lang="ja-JP" altLang="en-US" smtClean="0"/>
-              <a:t>2017/10/3</a:t>
+              <a:t>2017/10/4</a:t>
             </a:fld>
             <a:endParaRPr kumimoji="1" lang="ja-JP" altLang="en-US"/>
           </a:p>
@@ -6504,11 +6504,7 @@
           <a:p>
             <a:r>
               <a:rPr kumimoji="1" lang="ja-JP" altLang="en-US" dirty="0" smtClean="0"/>
-              <a:t>画面レイアウト</a:t>
-            </a:r>
-            <a:r>
-              <a:rPr kumimoji="1" lang="ja-JP" altLang="en-US" dirty="0" smtClean="0"/>
-              <a:t>①　メイン画面</a:t>
+              <a:t>画面レイアウト①　メイン画面</a:t>
             </a:r>
             <a:endParaRPr kumimoji="1" lang="ja-JP" altLang="en-US" dirty="0"/>
           </a:p>
@@ -6979,11 +6975,7 @@
           <a:p>
             <a:r>
               <a:rPr lang="ja-JP" altLang="en-US" dirty="0" smtClean="0"/>
-              <a:t>フィルター：</a:t>
-            </a:r>
-            <a:r>
-              <a:rPr lang="ja-JP" altLang="en-US" dirty="0" smtClean="0"/>
-              <a:t>ダイアログが表示され、</a:t>
+              <a:t>フィルター：ダイアログが表示され、</a:t>
             </a:r>
             <a:endParaRPr lang="en-US" altLang="ja-JP" dirty="0"/>
           </a:p>
@@ -7203,11 +7195,7 @@
           <a:p>
             <a:r>
               <a:rPr kumimoji="1" lang="ja-JP" altLang="en-US" dirty="0" smtClean="0"/>
-              <a:t>画面</a:t>
-            </a:r>
-            <a:r>
-              <a:rPr kumimoji="1" lang="ja-JP" altLang="en-US" dirty="0" smtClean="0"/>
-              <a:t>レイアウト②　ダイアログ</a:t>
+              <a:t>画面レイアウト②　ダイアログ</a:t>
             </a:r>
             <a:endParaRPr kumimoji="1" lang="ja-JP" altLang="en-US" dirty="0"/>
           </a:p>
@@ -8073,11 +8061,7 @@
           <a:p>
             <a:r>
               <a:rPr kumimoji="1" lang="ja-JP" altLang="en-US" dirty="0" smtClean="0"/>
-              <a:t>画面</a:t>
-            </a:r>
-            <a:r>
-              <a:rPr kumimoji="1" lang="ja-JP" altLang="en-US" dirty="0" smtClean="0"/>
-              <a:t>レイアウト③　住所入力画面</a:t>
+              <a:t>画面レイアウト③　住所入力画面</a:t>
             </a:r>
             <a:endParaRPr kumimoji="1" lang="ja-JP" altLang="en-US" dirty="0"/>
           </a:p>
@@ -9016,8 +9000,8 @@
         </p:nvSpPr>
         <p:spPr>
           <a:xfrm>
-            <a:off x="4686383" y="1301676"/>
-            <a:ext cx="3295791" cy="4701092"/>
+            <a:off x="4735403" y="1407208"/>
+            <a:ext cx="3295791" cy="5067705"/>
           </a:xfrm>
           <a:prstGeom prst="rect">
             <a:avLst/>
@@ -9056,6 +9040,685 @@
           </a:p>
         </p:txBody>
       </p:sp>
+      <p:sp>
+        <p:nvSpPr>
+          <p:cNvPr id="4" name="テキスト ボックス 3"/>
+          <p:cNvSpPr txBox="1"/>
+          <p:nvPr/>
+        </p:nvSpPr>
+        <p:spPr>
+          <a:xfrm>
+            <a:off x="5526629" y="2395959"/>
+            <a:ext cx="1800493" cy="369332"/>
+          </a:xfrm>
+          <a:prstGeom prst="rect">
+            <a:avLst/>
+          </a:prstGeom>
+          <a:noFill/>
+        </p:spPr>
+        <p:txBody>
+          <a:bodyPr wrap="none" rtlCol="0">
+            <a:spAutoFit/>
+          </a:bodyPr>
+          <a:lstStyle/>
+          <a:p>
+            <a:r>
+              <a:rPr kumimoji="1" lang="ja-JP" altLang="en-US" dirty="0" smtClean="0"/>
+              <a:t>地図を操作する</a:t>
+            </a:r>
+            <a:endParaRPr kumimoji="1" lang="en-US" altLang="ja-JP" dirty="0" smtClean="0"/>
+          </a:p>
+        </p:txBody>
+      </p:sp>
+      <p:sp>
+        <p:nvSpPr>
+          <p:cNvPr id="5" name="テキスト ボックス 4"/>
+          <p:cNvSpPr txBox="1"/>
+          <p:nvPr/>
+        </p:nvSpPr>
+        <p:spPr>
+          <a:xfrm>
+            <a:off x="5411212" y="3431311"/>
+            <a:ext cx="2031325" cy="369332"/>
+          </a:xfrm>
+          <a:prstGeom prst="rect">
+            <a:avLst/>
+          </a:prstGeom>
+          <a:noFill/>
+        </p:spPr>
+        <p:txBody>
+          <a:bodyPr wrap="none" rtlCol="0">
+            <a:spAutoFit/>
+          </a:bodyPr>
+          <a:lstStyle/>
+          <a:p>
+            <a:r>
+              <a:rPr kumimoji="1" lang="ja-JP" altLang="en-US" dirty="0" smtClean="0"/>
+              <a:t>現在地</a:t>
+            </a:r>
+            <a:r>
+              <a:rPr lang="ja-JP" altLang="en-US" dirty="0" smtClean="0"/>
+              <a:t>を表示する</a:t>
+            </a:r>
+            <a:endParaRPr kumimoji="1" lang="en-US" altLang="ja-JP" dirty="0" smtClean="0"/>
+          </a:p>
+        </p:txBody>
+      </p:sp>
+      <p:sp>
+        <p:nvSpPr>
+          <p:cNvPr id="6" name="テキスト ボックス 5"/>
+          <p:cNvSpPr txBox="1"/>
+          <p:nvPr/>
+        </p:nvSpPr>
+        <p:spPr>
+          <a:xfrm>
+            <a:off x="4889285" y="5310517"/>
+            <a:ext cx="3185487" cy="646331"/>
+          </a:xfrm>
+          <a:prstGeom prst="rect">
+            <a:avLst/>
+          </a:prstGeom>
+          <a:noFill/>
+        </p:spPr>
+        <p:txBody>
+          <a:bodyPr wrap="none" rtlCol="0">
+            <a:spAutoFit/>
+          </a:bodyPr>
+          <a:lstStyle/>
+          <a:p>
+            <a:r>
+              <a:rPr kumimoji="1" lang="ja-JP" altLang="en-US" dirty="0" smtClean="0"/>
+              <a:t>表示するガソリンスタンドの</a:t>
+            </a:r>
+            <a:endParaRPr kumimoji="1" lang="en-US" altLang="ja-JP" dirty="0" smtClean="0"/>
+          </a:p>
+          <a:p>
+            <a:r>
+              <a:rPr lang="ja-JP" altLang="en-US" dirty="0" smtClean="0"/>
+              <a:t>種類を選択する</a:t>
+            </a:r>
+            <a:endParaRPr kumimoji="1" lang="en-US" altLang="ja-JP" dirty="0" smtClean="0"/>
+          </a:p>
+        </p:txBody>
+      </p:sp>
+      <p:sp>
+        <p:nvSpPr>
+          <p:cNvPr id="7" name="テキスト ボックス 6"/>
+          <p:cNvSpPr txBox="1"/>
+          <p:nvPr/>
+        </p:nvSpPr>
+        <p:spPr>
+          <a:xfrm>
+            <a:off x="5526629" y="4363971"/>
+            <a:ext cx="1800493" cy="369332"/>
+          </a:xfrm>
+          <a:prstGeom prst="rect">
+            <a:avLst/>
+          </a:prstGeom>
+          <a:noFill/>
+        </p:spPr>
+        <p:txBody>
+          <a:bodyPr wrap="none" rtlCol="0">
+            <a:spAutoFit/>
+          </a:bodyPr>
+          <a:lstStyle/>
+          <a:p>
+            <a:r>
+              <a:rPr lang="ja-JP" altLang="en-US" dirty="0" smtClean="0"/>
+              <a:t>住所を入力する</a:t>
+            </a:r>
+            <a:endParaRPr kumimoji="1" lang="en-US" altLang="ja-JP" dirty="0" smtClean="0"/>
+          </a:p>
+        </p:txBody>
+      </p:sp>
+      <p:sp>
+        <p:nvSpPr>
+          <p:cNvPr id="8" name="円/楕円 7"/>
+          <p:cNvSpPr/>
+          <p:nvPr/>
+        </p:nvSpPr>
+        <p:spPr>
+          <a:xfrm>
+            <a:off x="5263618" y="2099271"/>
+            <a:ext cx="2326511" cy="914400"/>
+          </a:xfrm>
+          <a:prstGeom prst="ellipse">
+            <a:avLst/>
+          </a:prstGeom>
+          <a:noFill/>
+          <a:ln>
+            <a:solidFill>
+              <a:schemeClr val="tx1"/>
+            </a:solidFill>
+          </a:ln>
+        </p:spPr>
+        <p:style>
+          <a:lnRef idx="2">
+            <a:schemeClr val="accent1">
+              <a:shade val="50000"/>
+            </a:schemeClr>
+          </a:lnRef>
+          <a:fillRef idx="1">
+            <a:schemeClr val="accent1"/>
+          </a:fillRef>
+          <a:effectRef idx="0">
+            <a:schemeClr val="accent1"/>
+          </a:effectRef>
+          <a:fontRef idx="minor">
+            <a:schemeClr val="lt1"/>
+          </a:fontRef>
+        </p:style>
+        <p:txBody>
+          <a:bodyPr rtlCol="0" anchor="ctr"/>
+          <a:lstStyle/>
+          <a:p>
+            <a:pPr algn="ctr"/>
+            <a:endParaRPr kumimoji="1" lang="ja-JP" altLang="en-US"/>
+          </a:p>
+        </p:txBody>
+      </p:sp>
+      <p:sp>
+        <p:nvSpPr>
+          <p:cNvPr id="9" name="円/楕円 8"/>
+          <p:cNvSpPr/>
+          <p:nvPr/>
+        </p:nvSpPr>
+        <p:spPr>
+          <a:xfrm>
+            <a:off x="5263617" y="3140517"/>
+            <a:ext cx="2326511" cy="914400"/>
+          </a:xfrm>
+          <a:prstGeom prst="ellipse">
+            <a:avLst/>
+          </a:prstGeom>
+          <a:noFill/>
+          <a:ln>
+            <a:solidFill>
+              <a:schemeClr val="tx1"/>
+            </a:solidFill>
+          </a:ln>
+        </p:spPr>
+        <p:style>
+          <a:lnRef idx="2">
+            <a:schemeClr val="accent1">
+              <a:shade val="50000"/>
+            </a:schemeClr>
+          </a:lnRef>
+          <a:fillRef idx="1">
+            <a:schemeClr val="accent1"/>
+          </a:fillRef>
+          <a:effectRef idx="0">
+            <a:schemeClr val="accent1"/>
+          </a:effectRef>
+          <a:fontRef idx="minor">
+            <a:schemeClr val="lt1"/>
+          </a:fontRef>
+        </p:style>
+        <p:txBody>
+          <a:bodyPr rtlCol="0" anchor="ctr"/>
+          <a:lstStyle/>
+          <a:p>
+            <a:pPr algn="ctr"/>
+            <a:endParaRPr kumimoji="1" lang="ja-JP" altLang="en-US"/>
+          </a:p>
+        </p:txBody>
+      </p:sp>
+      <p:sp>
+        <p:nvSpPr>
+          <p:cNvPr id="10" name="円/楕円 9"/>
+          <p:cNvSpPr/>
+          <p:nvPr/>
+        </p:nvSpPr>
+        <p:spPr>
+          <a:xfrm>
+            <a:off x="5263616" y="4091437"/>
+            <a:ext cx="2326511" cy="914400"/>
+          </a:xfrm>
+          <a:prstGeom prst="ellipse">
+            <a:avLst/>
+          </a:prstGeom>
+          <a:noFill/>
+          <a:ln>
+            <a:solidFill>
+              <a:schemeClr val="tx1"/>
+            </a:solidFill>
+          </a:ln>
+        </p:spPr>
+        <p:style>
+          <a:lnRef idx="2">
+            <a:schemeClr val="accent1">
+              <a:shade val="50000"/>
+            </a:schemeClr>
+          </a:lnRef>
+          <a:fillRef idx="1">
+            <a:schemeClr val="accent1"/>
+          </a:fillRef>
+          <a:effectRef idx="0">
+            <a:schemeClr val="accent1"/>
+          </a:effectRef>
+          <a:fontRef idx="minor">
+            <a:schemeClr val="lt1"/>
+          </a:fontRef>
+        </p:style>
+        <p:txBody>
+          <a:bodyPr rtlCol="0" anchor="ctr"/>
+          <a:lstStyle/>
+          <a:p>
+            <a:pPr algn="ctr"/>
+            <a:endParaRPr kumimoji="1" lang="ja-JP" altLang="en-US"/>
+          </a:p>
+        </p:txBody>
+      </p:sp>
+      <p:sp>
+        <p:nvSpPr>
+          <p:cNvPr id="11" name="円/楕円 10"/>
+          <p:cNvSpPr/>
+          <p:nvPr/>
+        </p:nvSpPr>
+        <p:spPr>
+          <a:xfrm>
+            <a:off x="4790556" y="5071875"/>
+            <a:ext cx="3185486" cy="1039287"/>
+          </a:xfrm>
+          <a:prstGeom prst="ellipse">
+            <a:avLst/>
+          </a:prstGeom>
+          <a:noFill/>
+          <a:ln>
+            <a:solidFill>
+              <a:schemeClr val="tx1"/>
+            </a:solidFill>
+          </a:ln>
+        </p:spPr>
+        <p:style>
+          <a:lnRef idx="2">
+            <a:schemeClr val="accent1">
+              <a:shade val="50000"/>
+            </a:schemeClr>
+          </a:lnRef>
+          <a:fillRef idx="1">
+            <a:schemeClr val="accent1"/>
+          </a:fillRef>
+          <a:effectRef idx="0">
+            <a:schemeClr val="accent1"/>
+          </a:effectRef>
+          <a:fontRef idx="minor">
+            <a:schemeClr val="lt1"/>
+          </a:fontRef>
+        </p:style>
+        <p:txBody>
+          <a:bodyPr rtlCol="0" anchor="ctr"/>
+          <a:lstStyle/>
+          <a:p>
+            <a:pPr algn="ctr"/>
+            <a:endParaRPr kumimoji="1" lang="ja-JP" altLang="en-US"/>
+          </a:p>
+        </p:txBody>
+      </p:sp>
+      <p:sp>
+        <p:nvSpPr>
+          <p:cNvPr id="12" name="テキスト ボックス 11"/>
+          <p:cNvSpPr txBox="1"/>
+          <p:nvPr/>
+        </p:nvSpPr>
+        <p:spPr>
+          <a:xfrm>
+            <a:off x="4658452" y="1486342"/>
+            <a:ext cx="3416320" cy="369332"/>
+          </a:xfrm>
+          <a:prstGeom prst="rect">
+            <a:avLst/>
+          </a:prstGeom>
+          <a:noFill/>
+        </p:spPr>
+        <p:txBody>
+          <a:bodyPr wrap="none" rtlCol="0">
+            <a:spAutoFit/>
+          </a:bodyPr>
+          <a:lstStyle/>
+          <a:p>
+            <a:r>
+              <a:rPr kumimoji="1" lang="ja-JP" altLang="en-US" dirty="0" smtClean="0"/>
+              <a:t>ガソリンスタンド表示システム</a:t>
+            </a:r>
+            <a:endParaRPr kumimoji="1" lang="ja-JP" altLang="en-US" dirty="0"/>
+          </a:p>
+        </p:txBody>
+      </p:sp>
+      <p:sp>
+        <p:nvSpPr>
+          <p:cNvPr id="13" name="円/楕円 12"/>
+          <p:cNvSpPr/>
+          <p:nvPr/>
+        </p:nvSpPr>
+        <p:spPr>
+          <a:xfrm>
+            <a:off x="2257064" y="3031931"/>
+            <a:ext cx="671331" cy="666020"/>
+          </a:xfrm>
+          <a:prstGeom prst="ellipse">
+            <a:avLst/>
+          </a:prstGeom>
+          <a:noFill/>
+          <a:ln>
+            <a:solidFill>
+              <a:schemeClr val="tx1"/>
+            </a:solidFill>
+          </a:ln>
+        </p:spPr>
+        <p:style>
+          <a:lnRef idx="2">
+            <a:schemeClr val="accent1">
+              <a:shade val="50000"/>
+            </a:schemeClr>
+          </a:lnRef>
+          <a:fillRef idx="1">
+            <a:schemeClr val="accent1"/>
+          </a:fillRef>
+          <a:effectRef idx="0">
+            <a:schemeClr val="accent1"/>
+          </a:effectRef>
+          <a:fontRef idx="minor">
+            <a:schemeClr val="lt1"/>
+          </a:fontRef>
+        </p:style>
+        <p:txBody>
+          <a:bodyPr rtlCol="0" anchor="ctr"/>
+          <a:lstStyle/>
+          <a:p>
+            <a:pPr algn="ctr"/>
+            <a:endParaRPr kumimoji="1" lang="ja-JP" altLang="en-US"/>
+          </a:p>
+        </p:txBody>
+      </p:sp>
+      <p:cxnSp>
+        <p:nvCxnSpPr>
+          <p:cNvPr id="17" name="直線コネクタ 16"/>
+          <p:cNvCxnSpPr>
+            <a:stCxn id="13" idx="4"/>
+          </p:cNvCxnSpPr>
+          <p:nvPr/>
+        </p:nvCxnSpPr>
+        <p:spPr>
+          <a:xfrm flipH="1">
+            <a:off x="2592729" y="3697951"/>
+            <a:ext cx="1" cy="666020"/>
+          </a:xfrm>
+          <a:prstGeom prst="line">
+            <a:avLst/>
+          </a:prstGeom>
+          <a:ln>
+            <a:solidFill>
+              <a:schemeClr val="tx1"/>
+            </a:solidFill>
+          </a:ln>
+        </p:spPr>
+        <p:style>
+          <a:lnRef idx="1">
+            <a:schemeClr val="accent1"/>
+          </a:lnRef>
+          <a:fillRef idx="0">
+            <a:schemeClr val="accent1"/>
+          </a:fillRef>
+          <a:effectRef idx="0">
+            <a:schemeClr val="accent1"/>
+          </a:effectRef>
+          <a:fontRef idx="minor">
+            <a:schemeClr val="tx1"/>
+          </a:fontRef>
+        </p:style>
+      </p:cxnSp>
+      <p:cxnSp>
+        <p:nvCxnSpPr>
+          <p:cNvPr id="19" name="直線コネクタ 18"/>
+          <p:cNvCxnSpPr/>
+          <p:nvPr/>
+        </p:nvCxnSpPr>
+        <p:spPr>
+          <a:xfrm flipH="1">
+            <a:off x="2223397" y="4363971"/>
+            <a:ext cx="369332" cy="369332"/>
+          </a:xfrm>
+          <a:prstGeom prst="line">
+            <a:avLst/>
+          </a:prstGeom>
+          <a:ln>
+            <a:solidFill>
+              <a:schemeClr val="tx1"/>
+            </a:solidFill>
+          </a:ln>
+        </p:spPr>
+        <p:style>
+          <a:lnRef idx="1">
+            <a:schemeClr val="accent1"/>
+          </a:lnRef>
+          <a:fillRef idx="0">
+            <a:schemeClr val="accent1"/>
+          </a:fillRef>
+          <a:effectRef idx="0">
+            <a:schemeClr val="accent1"/>
+          </a:effectRef>
+          <a:fontRef idx="minor">
+            <a:schemeClr val="tx1"/>
+          </a:fontRef>
+        </p:style>
+      </p:cxnSp>
+      <p:cxnSp>
+        <p:nvCxnSpPr>
+          <p:cNvPr id="21" name="直線コネクタ 20"/>
+          <p:cNvCxnSpPr/>
+          <p:nvPr/>
+        </p:nvCxnSpPr>
+        <p:spPr>
+          <a:xfrm>
+            <a:off x="2592729" y="4363971"/>
+            <a:ext cx="335666" cy="335666"/>
+          </a:xfrm>
+          <a:prstGeom prst="line">
+            <a:avLst/>
+          </a:prstGeom>
+          <a:ln>
+            <a:solidFill>
+              <a:schemeClr val="tx1"/>
+            </a:solidFill>
+          </a:ln>
+        </p:spPr>
+        <p:style>
+          <a:lnRef idx="1">
+            <a:schemeClr val="accent1"/>
+          </a:lnRef>
+          <a:fillRef idx="0">
+            <a:schemeClr val="accent1"/>
+          </a:fillRef>
+          <a:effectRef idx="0">
+            <a:schemeClr val="accent1"/>
+          </a:effectRef>
+          <a:fontRef idx="minor">
+            <a:schemeClr val="tx1"/>
+          </a:fontRef>
+        </p:style>
+      </p:cxnSp>
+      <p:cxnSp>
+        <p:nvCxnSpPr>
+          <p:cNvPr id="23" name="直線コネクタ 22"/>
+          <p:cNvCxnSpPr/>
+          <p:nvPr/>
+        </p:nvCxnSpPr>
+        <p:spPr>
+          <a:xfrm>
+            <a:off x="2151663" y="3946331"/>
+            <a:ext cx="969280" cy="0"/>
+          </a:xfrm>
+          <a:prstGeom prst="line">
+            <a:avLst/>
+          </a:prstGeom>
+          <a:ln>
+            <a:solidFill>
+              <a:schemeClr val="tx1"/>
+            </a:solidFill>
+          </a:ln>
+        </p:spPr>
+        <p:style>
+          <a:lnRef idx="1">
+            <a:schemeClr val="accent1"/>
+          </a:lnRef>
+          <a:fillRef idx="0">
+            <a:schemeClr val="accent1"/>
+          </a:fillRef>
+          <a:effectRef idx="0">
+            <a:schemeClr val="accent1"/>
+          </a:effectRef>
+          <a:fontRef idx="minor">
+            <a:schemeClr val="tx1"/>
+          </a:fontRef>
+        </p:style>
+      </p:cxnSp>
+      <p:cxnSp>
+        <p:nvCxnSpPr>
+          <p:cNvPr id="25" name="直線コネクタ 24"/>
+          <p:cNvCxnSpPr/>
+          <p:nvPr/>
+        </p:nvCxnSpPr>
+        <p:spPr>
+          <a:xfrm flipV="1">
+            <a:off x="3472405" y="2546430"/>
+            <a:ext cx="1791211" cy="1254213"/>
+          </a:xfrm>
+          <a:prstGeom prst="line">
+            <a:avLst/>
+          </a:prstGeom>
+          <a:ln>
+            <a:solidFill>
+              <a:schemeClr val="tx1"/>
+            </a:solidFill>
+          </a:ln>
+        </p:spPr>
+        <p:style>
+          <a:lnRef idx="1">
+            <a:schemeClr val="accent1"/>
+          </a:lnRef>
+          <a:fillRef idx="0">
+            <a:schemeClr val="accent1"/>
+          </a:fillRef>
+          <a:effectRef idx="0">
+            <a:schemeClr val="accent1"/>
+          </a:effectRef>
+          <a:fontRef idx="minor">
+            <a:schemeClr val="tx1"/>
+          </a:fontRef>
+        </p:style>
+      </p:cxnSp>
+      <p:cxnSp>
+        <p:nvCxnSpPr>
+          <p:cNvPr id="26" name="直線コネクタ 25"/>
+          <p:cNvCxnSpPr>
+            <a:endCxn id="9" idx="2"/>
+          </p:cNvCxnSpPr>
+          <p:nvPr/>
+        </p:nvCxnSpPr>
+        <p:spPr>
+          <a:xfrm flipV="1">
+            <a:off x="3456608" y="3597717"/>
+            <a:ext cx="1807009" cy="196736"/>
+          </a:xfrm>
+          <a:prstGeom prst="line">
+            <a:avLst/>
+          </a:prstGeom>
+          <a:ln>
+            <a:solidFill>
+              <a:schemeClr val="tx1"/>
+            </a:solidFill>
+          </a:ln>
+        </p:spPr>
+        <p:style>
+          <a:lnRef idx="1">
+            <a:schemeClr val="accent1"/>
+          </a:lnRef>
+          <a:fillRef idx="0">
+            <a:schemeClr val="accent1"/>
+          </a:fillRef>
+          <a:effectRef idx="0">
+            <a:schemeClr val="accent1"/>
+          </a:effectRef>
+          <a:fontRef idx="minor">
+            <a:schemeClr val="tx1"/>
+          </a:fontRef>
+        </p:style>
+      </p:cxnSp>
+      <p:cxnSp>
+        <p:nvCxnSpPr>
+          <p:cNvPr id="29" name="直線コネクタ 28"/>
+          <p:cNvCxnSpPr>
+            <a:endCxn id="10" idx="2"/>
+          </p:cNvCxnSpPr>
+          <p:nvPr/>
+        </p:nvCxnSpPr>
+        <p:spPr>
+          <a:xfrm>
+            <a:off x="3472405" y="3800643"/>
+            <a:ext cx="1791211" cy="747994"/>
+          </a:xfrm>
+          <a:prstGeom prst="line">
+            <a:avLst/>
+          </a:prstGeom>
+          <a:ln>
+            <a:solidFill>
+              <a:schemeClr val="tx1"/>
+            </a:solidFill>
+          </a:ln>
+        </p:spPr>
+        <p:style>
+          <a:lnRef idx="1">
+            <a:schemeClr val="accent1"/>
+          </a:lnRef>
+          <a:fillRef idx="0">
+            <a:schemeClr val="accent1"/>
+          </a:fillRef>
+          <a:effectRef idx="0">
+            <a:schemeClr val="accent1"/>
+          </a:effectRef>
+          <a:fontRef idx="minor">
+            <a:schemeClr val="tx1"/>
+          </a:fontRef>
+        </p:style>
+      </p:cxnSp>
+      <p:cxnSp>
+        <p:nvCxnSpPr>
+          <p:cNvPr id="32" name="直線コネクタ 31"/>
+          <p:cNvCxnSpPr>
+            <a:endCxn id="11" idx="2"/>
+          </p:cNvCxnSpPr>
+          <p:nvPr/>
+        </p:nvCxnSpPr>
+        <p:spPr>
+          <a:xfrm>
+            <a:off x="3472404" y="3806833"/>
+            <a:ext cx="1318152" cy="1784686"/>
+          </a:xfrm>
+          <a:prstGeom prst="line">
+            <a:avLst/>
+          </a:prstGeom>
+          <a:ln>
+            <a:solidFill>
+              <a:schemeClr val="tx1"/>
+            </a:solidFill>
+          </a:ln>
+        </p:spPr>
+        <p:style>
+          <a:lnRef idx="1">
+            <a:schemeClr val="accent1"/>
+          </a:lnRef>
+          <a:fillRef idx="0">
+            <a:schemeClr val="accent1"/>
+          </a:fillRef>
+          <a:effectRef idx="0">
+            <a:schemeClr val="accent1"/>
+          </a:effectRef>
+          <a:fontRef idx="minor">
+            <a:schemeClr val="tx1"/>
+          </a:fontRef>
+        </p:style>
+      </p:cxnSp>
     </p:spTree>
     <p:extLst>
       <p:ext uri="{BB962C8B-B14F-4D97-AF65-F5344CB8AC3E}">

--- a/ExternalDesign.pptx
+++ b/ExternalDesign.pptx
@@ -618,7 +618,7 @@
           <a:p>
             <a:fld id="{2F9C0650-85CA-47F7-9BB6-62FEAA50C6AF}" type="datetimeFigureOut">
               <a:rPr kumimoji="1" lang="ja-JP" altLang="en-US" smtClean="0"/>
-              <a:t>2017/10/4</a:t>
+              <a:t>2017/10/9</a:t>
             </a:fld>
             <a:endParaRPr kumimoji="1" lang="ja-JP" altLang="en-US"/>
           </a:p>
@@ -914,7 +914,7 @@
           <a:p>
             <a:fld id="{2F9C0650-85CA-47F7-9BB6-62FEAA50C6AF}" type="datetimeFigureOut">
               <a:rPr kumimoji="1" lang="ja-JP" altLang="en-US" smtClean="0"/>
-              <a:t>2017/10/4</a:t>
+              <a:t>2017/10/9</a:t>
             </a:fld>
             <a:endParaRPr kumimoji="1" lang="ja-JP" altLang="en-US"/>
           </a:p>
@@ -1162,7 +1162,7 @@
           <a:p>
             <a:fld id="{2F9C0650-85CA-47F7-9BB6-62FEAA50C6AF}" type="datetimeFigureOut">
               <a:rPr kumimoji="1" lang="ja-JP" altLang="en-US" smtClean="0"/>
-              <a:t>2017/10/4</a:t>
+              <a:t>2017/10/9</a:t>
             </a:fld>
             <a:endParaRPr kumimoji="1" lang="ja-JP" altLang="en-US"/>
           </a:p>
@@ -1702,7 +1702,7 @@
           <a:p>
             <a:fld id="{2F9C0650-85CA-47F7-9BB6-62FEAA50C6AF}" type="datetimeFigureOut">
               <a:rPr kumimoji="1" lang="ja-JP" altLang="en-US" smtClean="0"/>
-              <a:t>2017/10/4</a:t>
+              <a:t>2017/10/9</a:t>
             </a:fld>
             <a:endParaRPr kumimoji="1" lang="ja-JP" altLang="en-US"/>
           </a:p>
@@ -1950,7 +1950,7 @@
           <a:p>
             <a:fld id="{2F9C0650-85CA-47F7-9BB6-62FEAA50C6AF}" type="datetimeFigureOut">
               <a:rPr kumimoji="1" lang="ja-JP" altLang="en-US" smtClean="0"/>
-              <a:t>2017/10/4</a:t>
+              <a:t>2017/10/9</a:t>
             </a:fld>
             <a:endParaRPr kumimoji="1" lang="ja-JP" altLang="en-US"/>
           </a:p>
@@ -2482,7 +2482,7 @@
           <a:p>
             <a:fld id="{2F9C0650-85CA-47F7-9BB6-62FEAA50C6AF}" type="datetimeFigureOut">
               <a:rPr kumimoji="1" lang="ja-JP" altLang="en-US" smtClean="0"/>
-              <a:t>2017/10/4</a:t>
+              <a:t>2017/10/9</a:t>
             </a:fld>
             <a:endParaRPr kumimoji="1" lang="ja-JP" altLang="en-US"/>
           </a:p>
@@ -2779,7 +2779,7 @@
           <a:p>
             <a:fld id="{2F9C0650-85CA-47F7-9BB6-62FEAA50C6AF}" type="datetimeFigureOut">
               <a:rPr kumimoji="1" lang="ja-JP" altLang="en-US" smtClean="0"/>
-              <a:t>2017/10/4</a:t>
+              <a:t>2017/10/9</a:t>
             </a:fld>
             <a:endParaRPr kumimoji="1" lang="ja-JP" altLang="en-US"/>
           </a:p>
@@ -2985,7 +2985,7 @@
           <a:p>
             <a:fld id="{2F9C0650-85CA-47F7-9BB6-62FEAA50C6AF}" type="datetimeFigureOut">
               <a:rPr kumimoji="1" lang="ja-JP" altLang="en-US" smtClean="0"/>
-              <a:t>2017/10/4</a:t>
+              <a:t>2017/10/9</a:t>
             </a:fld>
             <a:endParaRPr kumimoji="1" lang="ja-JP" altLang="en-US"/>
           </a:p>
@@ -3197,7 +3197,7 @@
           <a:p>
             <a:fld id="{2F9C0650-85CA-47F7-9BB6-62FEAA50C6AF}" type="datetimeFigureOut">
               <a:rPr kumimoji="1" lang="ja-JP" altLang="en-US" smtClean="0"/>
-              <a:t>2017/10/4</a:t>
+              <a:t>2017/10/9</a:t>
             </a:fld>
             <a:endParaRPr kumimoji="1" lang="ja-JP" altLang="en-US"/>
           </a:p>
@@ -3399,7 +3399,7 @@
           <a:p>
             <a:fld id="{2F9C0650-85CA-47F7-9BB6-62FEAA50C6AF}" type="datetimeFigureOut">
               <a:rPr kumimoji="1" lang="ja-JP" altLang="en-US" smtClean="0"/>
-              <a:t>2017/10/4</a:t>
+              <a:t>2017/10/9</a:t>
             </a:fld>
             <a:endParaRPr kumimoji="1" lang="ja-JP" altLang="en-US"/>
           </a:p>
@@ -3650,7 +3650,7 @@
           <a:p>
             <a:fld id="{2F9C0650-85CA-47F7-9BB6-62FEAA50C6AF}" type="datetimeFigureOut">
               <a:rPr kumimoji="1" lang="ja-JP" altLang="en-US" smtClean="0"/>
-              <a:t>2017/10/4</a:t>
+              <a:t>2017/10/9</a:t>
             </a:fld>
             <a:endParaRPr kumimoji="1" lang="ja-JP" altLang="en-US"/>
           </a:p>
@@ -4011,7 +4011,7 @@
           <a:p>
             <a:fld id="{2F9C0650-85CA-47F7-9BB6-62FEAA50C6AF}" type="datetimeFigureOut">
               <a:rPr kumimoji="1" lang="ja-JP" altLang="en-US" smtClean="0"/>
-              <a:t>2017/10/4</a:t>
+              <a:t>2017/10/9</a:t>
             </a:fld>
             <a:endParaRPr kumimoji="1" lang="ja-JP" altLang="en-US"/>
           </a:p>
@@ -4517,7 +4517,7 @@
           <a:p>
             <a:fld id="{2F9C0650-85CA-47F7-9BB6-62FEAA50C6AF}" type="datetimeFigureOut">
               <a:rPr kumimoji="1" lang="ja-JP" altLang="en-US" smtClean="0"/>
-              <a:t>2017/10/4</a:t>
+              <a:t>2017/10/9</a:t>
             </a:fld>
             <a:endParaRPr kumimoji="1" lang="ja-JP" altLang="en-US"/>
           </a:p>
@@ -4635,7 +4635,7 @@
           <a:p>
             <a:fld id="{2F9C0650-85CA-47F7-9BB6-62FEAA50C6AF}" type="datetimeFigureOut">
               <a:rPr kumimoji="1" lang="ja-JP" altLang="en-US" smtClean="0"/>
-              <a:t>2017/10/4</a:t>
+              <a:t>2017/10/9</a:t>
             </a:fld>
             <a:endParaRPr kumimoji="1" lang="ja-JP" altLang="en-US"/>
           </a:p>
@@ -4730,7 +4730,7 @@
           <a:p>
             <a:fld id="{2F9C0650-85CA-47F7-9BB6-62FEAA50C6AF}" type="datetimeFigureOut">
               <a:rPr kumimoji="1" lang="ja-JP" altLang="en-US" smtClean="0"/>
-              <a:t>2017/10/4</a:t>
+              <a:t>2017/10/9</a:t>
             </a:fld>
             <a:endParaRPr kumimoji="1" lang="ja-JP" altLang="en-US"/>
           </a:p>
@@ -5045,7 +5045,7 @@
           <a:p>
             <a:fld id="{2F9C0650-85CA-47F7-9BB6-62FEAA50C6AF}" type="datetimeFigureOut">
               <a:rPr kumimoji="1" lang="ja-JP" altLang="en-US" smtClean="0"/>
-              <a:t>2017/10/4</a:t>
+              <a:t>2017/10/9</a:t>
             </a:fld>
             <a:endParaRPr kumimoji="1" lang="ja-JP" altLang="en-US"/>
           </a:p>
@@ -5336,7 +5336,7 @@
           <a:p>
             <a:fld id="{2F9C0650-85CA-47F7-9BB6-62FEAA50C6AF}" type="datetimeFigureOut">
               <a:rPr kumimoji="1" lang="ja-JP" altLang="en-US" smtClean="0"/>
-              <a:t>2017/10/4</a:t>
+              <a:t>2017/10/9</a:t>
             </a:fld>
             <a:endParaRPr kumimoji="1" lang="ja-JP" altLang="en-US"/>
           </a:p>
@@ -5898,7 +5898,7 @@
           <a:p>
             <a:fld id="{2F9C0650-85CA-47F7-9BB6-62FEAA50C6AF}" type="datetimeFigureOut">
               <a:rPr kumimoji="1" lang="ja-JP" altLang="en-US" smtClean="0"/>
-              <a:t>2017/10/4</a:t>
+              <a:t>2017/10/9</a:t>
             </a:fld>
             <a:endParaRPr kumimoji="1" lang="ja-JP" altLang="en-US"/>
           </a:p>
@@ -6884,8 +6884,8 @@
         </p:nvSpPr>
         <p:spPr>
           <a:xfrm>
-            <a:off x="4679575" y="1279723"/>
-            <a:ext cx="4801314" cy="646331"/>
+            <a:off x="4702391" y="1075763"/>
+            <a:ext cx="4801314" cy="1200329"/>
           </a:xfrm>
           <a:prstGeom prst="rect">
             <a:avLst/>
@@ -6907,7 +6907,37 @@
           <a:p>
             <a:r>
               <a:rPr lang="ja-JP" altLang="en-US" dirty="0" smtClean="0"/>
-              <a:t>ユーザの現在地を示すアイコンを表示する</a:t>
+              <a:t>ユーザの現在地を示すアイコンを表示</a:t>
+            </a:r>
+            <a:r>
+              <a:rPr lang="ja-JP" altLang="en-US" dirty="0" smtClean="0"/>
+              <a:t>する</a:t>
+            </a:r>
+            <a:r>
+              <a:rPr lang="ja-JP" altLang="en-US" dirty="0" smtClean="0"/>
+              <a:t>。</a:t>
+            </a:r>
+            <a:endParaRPr lang="en-US" altLang="ja-JP" dirty="0" smtClean="0"/>
+          </a:p>
+          <a:p>
+            <a:r>
+              <a:rPr lang="ja-JP" altLang="en-US" dirty="0" smtClean="0"/>
+              <a:t>ピンチイン・ピンチアウトで拡大縮小、</a:t>
+            </a:r>
+            <a:endParaRPr lang="en-US" altLang="ja-JP" dirty="0" smtClean="0"/>
+          </a:p>
+          <a:p>
+            <a:r>
+              <a:rPr lang="ja-JP" altLang="en-US" dirty="0" smtClean="0"/>
+              <a:t>スワイプで</a:t>
+            </a:r>
+            <a:r>
+              <a:rPr lang="ja-JP" altLang="en-US" dirty="0"/>
+              <a:t>移動</a:t>
+            </a:r>
+            <a:r>
+              <a:rPr lang="ja-JP" altLang="en-US" dirty="0" smtClean="0"/>
+              <a:t>ができる。</a:t>
             </a:r>
             <a:endParaRPr lang="en-US" altLang="ja-JP" dirty="0" smtClean="0"/>
           </a:p>
